--- a/OneWay_Tickets.pptx
+++ b/OneWay_Tickets.pptx
@@ -2,7 +2,7 @@
 <file path=ppt/presentation.xml><?xml version="1.0" encoding="utf-8"?>
 <p:presentation xmlns:a="http://schemas.openxmlformats.org/drawingml/2006/main" xmlns:r="http://schemas.openxmlformats.org/officeDocument/2006/relationships" xmlns:p="http://schemas.openxmlformats.org/presentationml/2006/main" showSpecialPlsOnTitleSld="0" saveSubsetFonts="1">
   <p:sldMasterIdLst>
-    <p:sldMasterId id="2147483660" r:id="rId1"/>
+    <p:sldMasterId id="2147483732" r:id="rId1"/>
   </p:sldMasterIdLst>
   <p:notesMasterIdLst>
     <p:notesMasterId r:id="rId8"/>
@@ -707,6 +707,11 @@
 <file path=ppt/slideLayouts/slideLayout1.xml><?xml version="1.0" encoding="utf-8"?>
 <p:sldLayout xmlns:a="http://schemas.openxmlformats.org/drawingml/2006/main" xmlns:r="http://schemas.openxmlformats.org/officeDocument/2006/relationships" xmlns:p="http://schemas.openxmlformats.org/presentationml/2006/main" type="title" preserve="1">
   <p:cSld name="Diapositive de titre">
+    <p:bg>
+      <p:bgRef idx="1002">
+        <a:schemeClr val="bg2"/>
+      </p:bgRef>
+    </p:bg>
     <p:spTree>
       <p:nvGrpSpPr>
         <p:cNvPr id="1" name=""/>
@@ -723,7 +728,7 @@
       </p:grpSpPr>
       <p:sp>
         <p:nvSpPr>
-          <p:cNvPr id="2" name="Title 1"/>
+          <p:cNvPr id="9" name="Title 8"/>
           <p:cNvSpPr>
             <a:spLocks noGrp="1"/>
           </p:cNvSpPr>
@@ -733,151 +738,131 @@
         </p:nvSpPr>
         <p:spPr>
           <a:xfrm>
-            <a:off x="685800" y="1371600"/>
-            <a:ext cx="7848600" cy="1927225"/>
+            <a:off x="533400" y="1371600"/>
+            <a:ext cx="7851648" cy="1828800"/>
+          </a:xfrm>
+          <a:ln>
+            <a:noFill/>
+          </a:ln>
+        </p:spPr>
+        <p:txBody>
+          <a:bodyPr vert="horz" tIns="0" rIns="18288" bIns="0" anchor="b">
+            <a:normAutofit/>
+            <a:scene3d>
+              <a:camera prst="orthographicFront"/>
+              <a:lightRig rig="freezing" dir="t">
+                <a:rot lat="0" lon="0" rev="5640000"/>
+              </a:lightRig>
+            </a:scene3d>
+            <a:sp3d prstMaterial="flat">
+              <a:bevelT w="38100" h="38100"/>
+              <a:contourClr>
+                <a:schemeClr val="tx2"/>
+              </a:contourClr>
+            </a:sp3d>
+          </a:bodyPr>
+          <a:lstStyle>
+            <a:lvl1pPr algn="r" rtl="0">
+              <a:spcBef>
+                <a:spcPct val="0"/>
+              </a:spcBef>
+              <a:buNone/>
+              <a:defRPr sz="5600" b="1">
+                <a:ln>
+                  <a:noFill/>
+                </a:ln>
+                <a:solidFill>
+                  <a:schemeClr val="accent3">
+                    <a:tint val="90000"/>
+                    <a:satMod val="120000"/>
+                  </a:schemeClr>
+                </a:solidFill>
+                <a:effectLst>
+                  <a:outerShdw blurRad="38100" dist="25400" dir="5400000" algn="tl" rotWithShape="0">
+                    <a:srgbClr val="000000">
+                      <a:alpha val="43000"/>
+                    </a:srgbClr>
+                  </a:outerShdw>
+                </a:effectLst>
+                <a:latin typeface="+mj-lt"/>
+                <a:ea typeface="+mj-ea"/>
+                <a:cs typeface="+mj-cs"/>
+              </a:defRPr>
+            </a:lvl1pPr>
+          </a:lstStyle>
+          <a:p>
+            <a:r>
+              <a:rPr kumimoji="0" lang="fr-FR" smtClean="0"/>
+              <a:t>Modifiez le style du titre</a:t>
+            </a:r>
+            <a:endParaRPr kumimoji="0" lang="en-US"/>
+          </a:p>
+        </p:txBody>
+      </p:sp>
+      <p:sp>
+        <p:nvSpPr>
+          <p:cNvPr id="17" name="Subtitle 16"/>
+          <p:cNvSpPr>
+            <a:spLocks noGrp="1"/>
+          </p:cNvSpPr>
+          <p:nvPr>
+            <p:ph type="subTitle" idx="1"/>
+          </p:nvPr>
+        </p:nvSpPr>
+        <p:spPr>
+          <a:xfrm>
+            <a:off x="533400" y="3228536"/>
+            <a:ext cx="7854696" cy="1752600"/>
           </a:xfrm>
         </p:spPr>
         <p:txBody>
-          <a:bodyPr anchor="b">
-            <a:noAutofit/>
-          </a:bodyPr>
+          <a:bodyPr lIns="0" rIns="18288"/>
           <a:lstStyle>
-            <a:lvl1pPr>
-              <a:defRPr sz="5400" cap="all" baseline="0"/>
-            </a:lvl1pPr>
-          </a:lstStyle>
-          <a:p>
-            <a:r>
-              <a:rPr lang="fr-FR" smtClean="0"/>
-              <a:t>Modifiez le style du titre</a:t>
-            </a:r>
-            <a:endParaRPr lang="en-US" dirty="0"/>
-          </a:p>
-        </p:txBody>
-      </p:sp>
-      <p:sp>
-        <p:nvSpPr>
-          <p:cNvPr id="3" name="Subtitle 2"/>
-          <p:cNvSpPr>
-            <a:spLocks noGrp="1"/>
-          </p:cNvSpPr>
-          <p:nvPr>
-            <p:ph type="subTitle" idx="1"/>
-          </p:nvPr>
-        </p:nvSpPr>
-        <p:spPr>
-          <a:xfrm>
-            <a:off x="685800" y="3505200"/>
-            <a:ext cx="6400800" cy="1752600"/>
-          </a:xfrm>
-        </p:spPr>
-        <p:txBody>
-          <a:bodyPr/>
-          <a:lstStyle>
-            <a:lvl1pPr marL="0" indent="0" algn="l">
+            <a:lvl1pPr marL="0" marR="45720" indent="0" algn="r">
               <a:buNone/>
               <a:defRPr>
                 <a:solidFill>
-                  <a:schemeClr val="tx1">
-                    <a:lumMod val="75000"/>
-                    <a:lumOff val="25000"/>
-                  </a:schemeClr>
+                  <a:schemeClr val="tx1"/>
                 </a:solidFill>
               </a:defRPr>
             </a:lvl1pPr>
             <a:lvl2pPr marL="457200" indent="0" algn="ctr">
               <a:buNone/>
-              <a:defRPr>
-                <a:solidFill>
-                  <a:schemeClr val="tx1">
-                    <a:tint val="75000"/>
-                  </a:schemeClr>
-                </a:solidFill>
-              </a:defRPr>
             </a:lvl2pPr>
             <a:lvl3pPr marL="914400" indent="0" algn="ctr">
               <a:buNone/>
-              <a:defRPr>
-                <a:solidFill>
-                  <a:schemeClr val="tx1">
-                    <a:tint val="75000"/>
-                  </a:schemeClr>
-                </a:solidFill>
-              </a:defRPr>
             </a:lvl3pPr>
             <a:lvl4pPr marL="1371600" indent="0" algn="ctr">
               <a:buNone/>
-              <a:defRPr>
-                <a:solidFill>
-                  <a:schemeClr val="tx1">
-                    <a:tint val="75000"/>
-                  </a:schemeClr>
-                </a:solidFill>
-              </a:defRPr>
             </a:lvl4pPr>
             <a:lvl5pPr marL="1828800" indent="0" algn="ctr">
               <a:buNone/>
-              <a:defRPr>
-                <a:solidFill>
-                  <a:schemeClr val="tx1">
-                    <a:tint val="75000"/>
-                  </a:schemeClr>
-                </a:solidFill>
-              </a:defRPr>
             </a:lvl5pPr>
             <a:lvl6pPr marL="2286000" indent="0" algn="ctr">
               <a:buNone/>
-              <a:defRPr>
-                <a:solidFill>
-                  <a:schemeClr val="tx1">
-                    <a:tint val="75000"/>
-                  </a:schemeClr>
-                </a:solidFill>
-              </a:defRPr>
             </a:lvl6pPr>
             <a:lvl7pPr marL="2743200" indent="0" algn="ctr">
               <a:buNone/>
-              <a:defRPr>
-                <a:solidFill>
-                  <a:schemeClr val="tx1">
-                    <a:tint val="75000"/>
-                  </a:schemeClr>
-                </a:solidFill>
-              </a:defRPr>
             </a:lvl7pPr>
             <a:lvl8pPr marL="3200400" indent="0" algn="ctr">
               <a:buNone/>
-              <a:defRPr>
-                <a:solidFill>
-                  <a:schemeClr val="tx1">
-                    <a:tint val="75000"/>
-                  </a:schemeClr>
-                </a:solidFill>
-              </a:defRPr>
             </a:lvl8pPr>
             <a:lvl9pPr marL="3657600" indent="0" algn="ctr">
               <a:buNone/>
-              <a:defRPr>
-                <a:solidFill>
-                  <a:schemeClr val="tx1">
-                    <a:tint val="75000"/>
-                  </a:schemeClr>
-                </a:solidFill>
-              </a:defRPr>
             </a:lvl9pPr>
           </a:lstStyle>
           <a:p>
             <a:r>
-              <a:rPr lang="fr-FR" smtClean="0"/>
+              <a:rPr kumimoji="0" lang="fr-FR" smtClean="0"/>
               <a:t>Modifiez le style des sous-titres du masque</a:t>
             </a:r>
-            <a:endParaRPr lang="en-US" dirty="0"/>
-          </a:p>
-        </p:txBody>
-      </p:sp>
-      <p:sp>
-        <p:nvSpPr>
-          <p:cNvPr id="4" name="Date Placeholder 3"/>
+            <a:endParaRPr kumimoji="0" lang="en-US"/>
+          </a:p>
+        </p:txBody>
+      </p:sp>
+      <p:sp>
+        <p:nvSpPr>
+          <p:cNvPr id="30" name="Date Placeholder 29"/>
           <p:cNvSpPr>
             <a:spLocks noGrp="1"/>
           </p:cNvSpPr>
@@ -900,7 +885,7 @@
       </p:sp>
       <p:sp>
         <p:nvSpPr>
-          <p:cNvPr id="5" name="Footer Placeholder 4"/>
+          <p:cNvPr id="19" name="Footer Placeholder 18"/>
           <p:cNvSpPr>
             <a:spLocks noGrp="1"/>
           </p:cNvSpPr>
@@ -923,7 +908,7 @@
       </p:sp>
       <p:sp>
         <p:nvSpPr>
-          <p:cNvPr id="6" name="Slide Number Placeholder 5"/>
+          <p:cNvPr id="27" name="Slide Number Placeholder 26"/>
           <p:cNvSpPr>
             <a:spLocks noGrp="1"/>
           </p:cNvSpPr>
@@ -944,45 +929,10 @@
           </a:p>
         </p:txBody>
       </p:sp>
-      <p:cxnSp>
-        <p:nvCxnSpPr>
-          <p:cNvPr id="8" name="Straight Connector 7"/>
-          <p:cNvCxnSpPr/>
-          <p:nvPr/>
-        </p:nvCxnSpPr>
-        <p:spPr>
-          <a:xfrm>
-            <a:off x="685800" y="3398520"/>
-            <a:ext cx="7848600" cy="1588"/>
-          </a:xfrm>
-          <a:prstGeom prst="line">
-            <a:avLst/>
-          </a:prstGeom>
-          <a:ln w="19050">
-            <a:solidFill>
-              <a:schemeClr val="tx2"/>
-            </a:solidFill>
-          </a:ln>
-        </p:spPr>
-        <p:style>
-          <a:lnRef idx="1">
-            <a:schemeClr val="accent1"/>
-          </a:lnRef>
-          <a:fillRef idx="0">
-            <a:schemeClr val="accent1"/>
-          </a:fillRef>
-          <a:effectRef idx="0">
-            <a:schemeClr val="accent1"/>
-          </a:effectRef>
-          <a:fontRef idx="minor">
-            <a:schemeClr val="tx1"/>
-          </a:fontRef>
-        </p:style>
-      </p:cxnSp>
     </p:spTree>
   </p:cSld>
   <p:clrMapOvr>
-    <a:masterClrMapping/>
+    <a:overrideClrMapping bg1="dk1" tx1="lt1" bg2="dk2" tx2="lt2" accent1="accent1" accent2="accent2" accent3="accent3" accent4="accent4" accent5="accent5" accent6="accent6" hlink="hlink" folHlink="folHlink"/>
   </p:clrMapOvr>
 </p:sldLayout>
 </file>
@@ -1020,10 +970,10 @@
           <a:lstStyle/>
           <a:p>
             <a:r>
-              <a:rPr lang="fr-FR" smtClean="0"/>
+              <a:rPr kumimoji="0" lang="fr-FR" smtClean="0"/>
               <a:t>Modifiez le style du titre</a:t>
             </a:r>
-            <a:endParaRPr lang="en-US"/>
+            <a:endParaRPr kumimoji="0" lang="en-US"/>
           </a:p>
         </p:txBody>
       </p:sp>
@@ -1042,40 +992,40 @@
           <a:bodyPr vert="eaVert"/>
           <a:lstStyle/>
           <a:p>
-            <a:pPr lvl="0"/>
+            <a:pPr lvl="0" eaLnBrk="1" latinLnBrk="0" hangingPunct="1"/>
             <a:r>
               <a:rPr lang="fr-FR" smtClean="0"/>
               <a:t>Modifiez les styles du texte du masque</a:t>
             </a:r>
           </a:p>
           <a:p>
-            <a:pPr lvl="1"/>
+            <a:pPr lvl="1" eaLnBrk="1" latinLnBrk="0" hangingPunct="1"/>
             <a:r>
               <a:rPr lang="fr-FR" smtClean="0"/>
               <a:t>Deuxième niveau</a:t>
             </a:r>
           </a:p>
           <a:p>
-            <a:pPr lvl="2"/>
+            <a:pPr lvl="2" eaLnBrk="1" latinLnBrk="0" hangingPunct="1"/>
             <a:r>
               <a:rPr lang="fr-FR" smtClean="0"/>
               <a:t>Troisième niveau</a:t>
             </a:r>
           </a:p>
           <a:p>
-            <a:pPr lvl="3"/>
+            <a:pPr lvl="3" eaLnBrk="1" latinLnBrk="0" hangingPunct="1"/>
             <a:r>
               <a:rPr lang="fr-FR" smtClean="0"/>
               <a:t>Quatrième niveau</a:t>
             </a:r>
           </a:p>
           <a:p>
-            <a:pPr lvl="4"/>
+            <a:pPr lvl="4" eaLnBrk="1" latinLnBrk="0" hangingPunct="1"/>
             <a:r>
               <a:rPr lang="fr-FR" smtClean="0"/>
               <a:t>Cinquième niveau</a:t>
             </a:r>
-            <a:endParaRPr lang="en-US"/>
+            <a:endParaRPr kumimoji="0" lang="en-US"/>
           </a:p>
         </p:txBody>
       </p:sp>
@@ -1185,19 +1135,19 @@
         </p:nvSpPr>
         <p:spPr>
           <a:xfrm>
-            <a:off x="6629400" y="609600"/>
-            <a:ext cx="2057400" cy="5867400"/>
+            <a:off x="6629400" y="914401"/>
+            <a:ext cx="2057400" cy="5211763"/>
           </a:xfrm>
         </p:spPr>
         <p:txBody>
-          <a:bodyPr vert="eaVert" anchor="b"/>
-          <a:lstStyle/>
-          <a:p>
-            <a:r>
-              <a:rPr lang="fr-FR" smtClean="0"/>
+          <a:bodyPr vert="eaVert"/>
+          <a:lstStyle/>
+          <a:p>
+            <a:r>
+              <a:rPr kumimoji="0" lang="fr-FR" smtClean="0"/>
               <a:t>Modifiez le style du titre</a:t>
             </a:r>
-            <a:endParaRPr lang="en-US" dirty="0"/>
+            <a:endParaRPr kumimoji="0" lang="en-US"/>
           </a:p>
         </p:txBody>
       </p:sp>
@@ -1213,48 +1163,48 @@
         </p:nvSpPr>
         <p:spPr>
           <a:xfrm>
-            <a:off x="457200" y="609600"/>
-            <a:ext cx="6019800" cy="5867400"/>
+            <a:off x="457200" y="914401"/>
+            <a:ext cx="6019800" cy="5211763"/>
           </a:xfrm>
         </p:spPr>
         <p:txBody>
           <a:bodyPr vert="eaVert"/>
           <a:lstStyle/>
           <a:p>
-            <a:pPr lvl="0"/>
+            <a:pPr lvl="0" eaLnBrk="1" latinLnBrk="0" hangingPunct="1"/>
             <a:r>
               <a:rPr lang="fr-FR" smtClean="0"/>
               <a:t>Modifiez les styles du texte du masque</a:t>
             </a:r>
           </a:p>
           <a:p>
-            <a:pPr lvl="1"/>
+            <a:pPr lvl="1" eaLnBrk="1" latinLnBrk="0" hangingPunct="1"/>
             <a:r>
               <a:rPr lang="fr-FR" smtClean="0"/>
               <a:t>Deuxième niveau</a:t>
             </a:r>
           </a:p>
           <a:p>
-            <a:pPr lvl="2"/>
+            <a:pPr lvl="2" eaLnBrk="1" latinLnBrk="0" hangingPunct="1"/>
             <a:r>
               <a:rPr lang="fr-FR" smtClean="0"/>
               <a:t>Troisième niveau</a:t>
             </a:r>
           </a:p>
           <a:p>
-            <a:pPr lvl="3"/>
+            <a:pPr lvl="3" eaLnBrk="1" latinLnBrk="0" hangingPunct="1"/>
             <a:r>
               <a:rPr lang="fr-FR" smtClean="0"/>
               <a:t>Quatrième niveau</a:t>
             </a:r>
           </a:p>
           <a:p>
-            <a:pPr lvl="4"/>
+            <a:pPr lvl="4" eaLnBrk="1" latinLnBrk="0" hangingPunct="1"/>
             <a:r>
               <a:rPr lang="fr-FR" smtClean="0"/>
               <a:t>Cinquième niveau</a:t>
             </a:r>
-            <a:endParaRPr lang="en-US" dirty="0"/>
+            <a:endParaRPr kumimoji="0" lang="en-US"/>
           </a:p>
         </p:txBody>
       </p:sp>
@@ -1368,10 +1318,10 @@
           <a:lstStyle/>
           <a:p>
             <a:r>
-              <a:rPr lang="fr-FR" smtClean="0"/>
+              <a:rPr kumimoji="0" lang="fr-FR" smtClean="0"/>
               <a:t>Modifiez le style du titre</a:t>
             </a:r>
-            <a:endParaRPr lang="en-US"/>
+            <a:endParaRPr kumimoji="0" lang="en-US"/>
           </a:p>
         </p:txBody>
       </p:sp>
@@ -1390,40 +1340,40 @@
           <a:bodyPr/>
           <a:lstStyle/>
           <a:p>
-            <a:pPr lvl="0"/>
+            <a:pPr lvl="0" eaLnBrk="1" latinLnBrk="0" hangingPunct="1"/>
             <a:r>
               <a:rPr lang="fr-FR" smtClean="0"/>
               <a:t>Modifiez les styles du texte du masque</a:t>
             </a:r>
           </a:p>
           <a:p>
-            <a:pPr lvl="1"/>
+            <a:pPr lvl="1" eaLnBrk="1" latinLnBrk="0" hangingPunct="1"/>
             <a:r>
               <a:rPr lang="fr-FR" smtClean="0"/>
               <a:t>Deuxième niveau</a:t>
             </a:r>
           </a:p>
           <a:p>
-            <a:pPr lvl="2"/>
+            <a:pPr lvl="2" eaLnBrk="1" latinLnBrk="0" hangingPunct="1"/>
             <a:r>
               <a:rPr lang="fr-FR" smtClean="0"/>
               <a:t>Troisième niveau</a:t>
             </a:r>
           </a:p>
           <a:p>
-            <a:pPr lvl="3"/>
+            <a:pPr lvl="3" eaLnBrk="1" latinLnBrk="0" hangingPunct="1"/>
             <a:r>
               <a:rPr lang="fr-FR" smtClean="0"/>
               <a:t>Quatrième niveau</a:t>
             </a:r>
           </a:p>
           <a:p>
-            <a:pPr lvl="4"/>
+            <a:pPr lvl="4" eaLnBrk="1" latinLnBrk="0" hangingPunct="1"/>
             <a:r>
               <a:rPr lang="fr-FR" smtClean="0"/>
               <a:t>Cinquième niveau</a:t>
             </a:r>
-            <a:endParaRPr lang="en-US"/>
+            <a:endParaRPr kumimoji="0" lang="en-US"/>
           </a:p>
         </p:txBody>
       </p:sp>
@@ -1508,7 +1458,7 @@
 <p:sldLayout xmlns:a="http://schemas.openxmlformats.org/drawingml/2006/main" xmlns:r="http://schemas.openxmlformats.org/officeDocument/2006/relationships" xmlns:p="http://schemas.openxmlformats.org/presentationml/2006/main" type="secHead" preserve="1">
   <p:cSld name="Titre de section">
     <p:bg>
-      <p:bgRef idx="1001">
+      <p:bgRef idx="1002">
         <a:schemeClr val="bg2"/>
       </p:bgRef>
     </p:bg>
@@ -1538,58 +1488,92 @@
         </p:nvSpPr>
         <p:spPr>
           <a:xfrm>
-            <a:off x="722313" y="2362200"/>
-            <a:ext cx="7772400" cy="2200275"/>
+            <a:off x="530352" y="1316736"/>
+            <a:ext cx="7772400" cy="1362456"/>
+          </a:xfrm>
+          <a:ln>
+            <a:noFill/>
+          </a:ln>
+        </p:spPr>
+        <p:txBody>
+          <a:bodyPr vert="horz" tIns="0" bIns="0" anchor="b">
+            <a:noAutofit/>
+            <a:scene3d>
+              <a:camera prst="orthographicFront"/>
+              <a:lightRig rig="freezing" dir="t">
+                <a:rot lat="0" lon="0" rev="5640000"/>
+              </a:lightRig>
+            </a:scene3d>
+            <a:sp3d prstMaterial="flat">
+              <a:bevelT w="38100" h="38100"/>
+            </a:sp3d>
+          </a:bodyPr>
+          <a:lstStyle>
+            <a:lvl1pPr algn="l" rtl="0">
+              <a:spcBef>
+                <a:spcPct val="0"/>
+              </a:spcBef>
+              <a:buNone/>
+              <a:defRPr lang="en-US" sz="5600" b="1" cap="none" baseline="0" dirty="0">
+                <a:ln w="635">
+                  <a:noFill/>
+                </a:ln>
+                <a:solidFill>
+                  <a:schemeClr val="accent4">
+                    <a:tint val="90000"/>
+                    <a:satMod val="125000"/>
+                  </a:schemeClr>
+                </a:solidFill>
+                <a:effectLst>
+                  <a:outerShdw blurRad="38100" dist="25400" dir="5400000" algn="tl" rotWithShape="0">
+                    <a:srgbClr val="000000">
+                      <a:alpha val="43000"/>
+                    </a:srgbClr>
+                  </a:outerShdw>
+                </a:effectLst>
+                <a:latin typeface="+mj-lt"/>
+                <a:ea typeface="+mj-ea"/>
+                <a:cs typeface="+mj-cs"/>
+              </a:defRPr>
+            </a:lvl1pPr>
+          </a:lstStyle>
+          <a:p>
+            <a:r>
+              <a:rPr kumimoji="0" lang="fr-FR" smtClean="0"/>
+              <a:t>Modifiez le style du titre</a:t>
+            </a:r>
+            <a:endParaRPr kumimoji="0" lang="en-US"/>
+          </a:p>
+        </p:txBody>
+      </p:sp>
+      <p:sp>
+        <p:nvSpPr>
+          <p:cNvPr id="3" name="Text Placeholder 2"/>
+          <p:cNvSpPr>
+            <a:spLocks noGrp="1"/>
+          </p:cNvSpPr>
+          <p:nvPr>
+            <p:ph type="body" idx="1"/>
+          </p:nvPr>
+        </p:nvSpPr>
+        <p:spPr>
+          <a:xfrm>
+            <a:off x="530352" y="2704664"/>
+            <a:ext cx="7772400" cy="1509712"/>
           </a:xfrm>
         </p:spPr>
         <p:txBody>
-          <a:bodyPr anchor="b">
-            <a:normAutofit/>
-          </a:bodyPr>
-          <a:lstStyle>
-            <a:lvl1pPr algn="l">
-              <a:defRPr sz="4800" b="0" cap="all"/>
-            </a:lvl1pPr>
-          </a:lstStyle>
-          <a:p>
-            <a:r>
-              <a:rPr lang="fr-FR" smtClean="0"/>
-              <a:t>Modifiez le style du titre</a:t>
-            </a:r>
-            <a:endParaRPr lang="en-US" dirty="0"/>
-          </a:p>
-        </p:txBody>
-      </p:sp>
-      <p:sp>
-        <p:nvSpPr>
-          <p:cNvPr id="3" name="Text Placeholder 2"/>
-          <p:cNvSpPr>
-            <a:spLocks noGrp="1"/>
-          </p:cNvSpPr>
-          <p:nvPr>
-            <p:ph type="body" idx="1"/>
-          </p:nvPr>
-        </p:nvSpPr>
-        <p:spPr>
-          <a:xfrm>
-            <a:off x="722313" y="4626864"/>
-            <a:ext cx="7772400" cy="1500187"/>
-          </a:xfrm>
-        </p:spPr>
-        <p:txBody>
-          <a:bodyPr anchor="t">
-            <a:normAutofit/>
-          </a:bodyPr>
+          <a:bodyPr lIns="45720" rIns="45720" anchor="t"/>
           <a:lstStyle>
             <a:lvl1pPr marL="0" indent="0">
               <a:buNone/>
-              <a:defRPr sz="2400">
+              <a:defRPr sz="2200">
                 <a:solidFill>
-                  <a:schemeClr val="tx2"/>
+                  <a:schemeClr val="tx1"/>
                 </a:solidFill>
               </a:defRPr>
             </a:lvl1pPr>
-            <a:lvl2pPr marL="457200" indent="0">
+            <a:lvl2pPr>
               <a:buNone/>
               <a:defRPr sz="1800">
                 <a:solidFill>
@@ -1599,7 +1583,7 @@
                 </a:solidFill>
               </a:defRPr>
             </a:lvl2pPr>
-            <a:lvl3pPr marL="914400" indent="0">
+            <a:lvl3pPr>
               <a:buNone/>
               <a:defRPr sz="1600">
                 <a:solidFill>
@@ -1609,7 +1593,7 @@
                 </a:solidFill>
               </a:defRPr>
             </a:lvl3pPr>
-            <a:lvl4pPr marL="1371600" indent="0">
+            <a:lvl4pPr>
               <a:buNone/>
               <a:defRPr sz="1400">
                 <a:solidFill>
@@ -1619,7 +1603,7 @@
                 </a:solidFill>
               </a:defRPr>
             </a:lvl4pPr>
-            <a:lvl5pPr marL="1828800" indent="0">
+            <a:lvl5pPr>
               <a:buNone/>
               <a:defRPr sz="1400">
                 <a:solidFill>
@@ -1629,51 +1613,11 @@
                 </a:solidFill>
               </a:defRPr>
             </a:lvl5pPr>
-            <a:lvl6pPr marL="2286000" indent="0">
-              <a:buNone/>
-              <a:defRPr sz="1400">
-                <a:solidFill>
-                  <a:schemeClr val="tx1">
-                    <a:tint val="75000"/>
-                  </a:schemeClr>
-                </a:solidFill>
-              </a:defRPr>
-            </a:lvl6pPr>
-            <a:lvl7pPr marL="2743200" indent="0">
-              <a:buNone/>
-              <a:defRPr sz="1400">
-                <a:solidFill>
-                  <a:schemeClr val="tx1">
-                    <a:tint val="75000"/>
-                  </a:schemeClr>
-                </a:solidFill>
-              </a:defRPr>
-            </a:lvl7pPr>
-            <a:lvl8pPr marL="3200400" indent="0">
-              <a:buNone/>
-              <a:defRPr sz="1400">
-                <a:solidFill>
-                  <a:schemeClr val="tx1">
-                    <a:tint val="75000"/>
-                  </a:schemeClr>
-                </a:solidFill>
-              </a:defRPr>
-            </a:lvl8pPr>
-            <a:lvl9pPr marL="3657600" indent="0">
-              <a:buNone/>
-              <a:defRPr sz="1400">
-                <a:solidFill>
-                  <a:schemeClr val="tx1">
-                    <a:tint val="75000"/>
-                  </a:schemeClr>
-                </a:solidFill>
-              </a:defRPr>
-            </a:lvl9pPr>
           </a:lstStyle>
           <a:p>
-            <a:pPr lvl="0"/>
-            <a:r>
-              <a:rPr lang="fr-FR" smtClean="0"/>
+            <a:pPr lvl="0" eaLnBrk="1" latinLnBrk="0" hangingPunct="1"/>
+            <a:r>
+              <a:rPr kumimoji="0" lang="fr-FR" smtClean="0"/>
               <a:t>Modifiez les styles du texte du masque</a:t>
             </a:r>
           </a:p>
@@ -1748,41 +1692,6 @@
           </a:p>
         </p:txBody>
       </p:sp>
-      <p:cxnSp>
-        <p:nvCxnSpPr>
-          <p:cNvPr id="7" name="Straight Connector 6"/>
-          <p:cNvCxnSpPr/>
-          <p:nvPr/>
-        </p:nvCxnSpPr>
-        <p:spPr>
-          <a:xfrm>
-            <a:off x="731520" y="4599432"/>
-            <a:ext cx="7848600" cy="1588"/>
-          </a:xfrm>
-          <a:prstGeom prst="line">
-            <a:avLst/>
-          </a:prstGeom>
-          <a:ln w="19050">
-            <a:solidFill>
-              <a:schemeClr val="tx2"/>
-            </a:solidFill>
-          </a:ln>
-        </p:spPr>
-        <p:style>
-          <a:lnRef idx="1">
-            <a:schemeClr val="accent1"/>
-          </a:lnRef>
-          <a:fillRef idx="0">
-            <a:schemeClr val="accent1"/>
-          </a:fillRef>
-          <a:effectRef idx="0">
-            <a:schemeClr val="accent1"/>
-          </a:effectRef>
-          <a:fontRef idx="minor">
-            <a:schemeClr val="tx1"/>
-          </a:fontRef>
-        </p:style>
-      </p:cxnSp>
     </p:spTree>
   </p:cSld>
   <p:clrMapOvr>
@@ -1818,40 +1727,45 @@
             <p:ph type="title"/>
           </p:nvPr>
         </p:nvSpPr>
-        <p:spPr/>
-        <p:txBody>
-          <a:bodyPr/>
-          <a:lstStyle/>
-          <a:p>
-            <a:r>
-              <a:rPr lang="fr-FR" smtClean="0"/>
-              <a:t>Modifiez le style du titre</a:t>
-            </a:r>
-            <a:endParaRPr lang="en-US"/>
-          </a:p>
-        </p:txBody>
-      </p:sp>
-      <p:sp>
-        <p:nvSpPr>
-          <p:cNvPr id="3" name="Content Placeholder 2"/>
-          <p:cNvSpPr>
-            <a:spLocks noGrp="1"/>
-          </p:cNvSpPr>
-          <p:nvPr>
-            <p:ph sz="half" idx="1"/>
-          </p:nvPr>
-        </p:nvSpPr>
         <p:spPr>
           <a:xfrm>
-            <a:off x="457200" y="1673352"/>
-            <a:ext cx="4038600" cy="4718304"/>
+            <a:off x="457200" y="704088"/>
+            <a:ext cx="8229600" cy="1143000"/>
           </a:xfrm>
         </p:spPr>
         <p:txBody>
           <a:bodyPr/>
+          <a:lstStyle/>
+          <a:p>
+            <a:r>
+              <a:rPr kumimoji="0" lang="fr-FR" smtClean="0"/>
+              <a:t>Modifiez le style du titre</a:t>
+            </a:r>
+            <a:endParaRPr kumimoji="0" lang="en-US"/>
+          </a:p>
+        </p:txBody>
+      </p:sp>
+      <p:sp>
+        <p:nvSpPr>
+          <p:cNvPr id="3" name="Content Placeholder 2"/>
+          <p:cNvSpPr>
+            <a:spLocks noGrp="1"/>
+          </p:cNvSpPr>
+          <p:nvPr>
+            <p:ph sz="half" idx="1"/>
+          </p:nvPr>
+        </p:nvSpPr>
+        <p:spPr>
+          <a:xfrm>
+            <a:off x="457200" y="1920085"/>
+            <a:ext cx="4038600" cy="4434840"/>
+          </a:xfrm>
+        </p:spPr>
+        <p:txBody>
+          <a:bodyPr/>
           <a:lstStyle>
             <a:lvl1pPr>
-              <a:defRPr sz="2800"/>
+              <a:defRPr sz="2600"/>
             </a:lvl1pPr>
             <a:lvl2pPr>
               <a:defRPr sz="2400"/>
@@ -1865,54 +1779,42 @@
             <a:lvl5pPr>
               <a:defRPr sz="1800"/>
             </a:lvl5pPr>
-            <a:lvl6pPr>
-              <a:defRPr sz="1800"/>
-            </a:lvl6pPr>
-            <a:lvl7pPr>
-              <a:defRPr sz="1800"/>
-            </a:lvl7pPr>
-            <a:lvl8pPr>
-              <a:defRPr sz="1800"/>
-            </a:lvl8pPr>
-            <a:lvl9pPr>
-              <a:defRPr sz="1800"/>
-            </a:lvl9pPr>
           </a:lstStyle>
           <a:p>
-            <a:pPr lvl="0"/>
+            <a:pPr lvl="0" eaLnBrk="1" latinLnBrk="0" hangingPunct="1"/>
             <a:r>
               <a:rPr lang="fr-FR" smtClean="0"/>
               <a:t>Modifiez les styles du texte du masque</a:t>
             </a:r>
           </a:p>
           <a:p>
-            <a:pPr lvl="1"/>
+            <a:pPr lvl="1" eaLnBrk="1" latinLnBrk="0" hangingPunct="1"/>
             <a:r>
               <a:rPr lang="fr-FR" smtClean="0"/>
               <a:t>Deuxième niveau</a:t>
             </a:r>
           </a:p>
           <a:p>
-            <a:pPr lvl="2"/>
+            <a:pPr lvl="2" eaLnBrk="1" latinLnBrk="0" hangingPunct="1"/>
             <a:r>
               <a:rPr lang="fr-FR" smtClean="0"/>
               <a:t>Troisième niveau</a:t>
             </a:r>
           </a:p>
           <a:p>
-            <a:pPr lvl="3"/>
+            <a:pPr lvl="3" eaLnBrk="1" latinLnBrk="0" hangingPunct="1"/>
             <a:r>
               <a:rPr lang="fr-FR" smtClean="0"/>
               <a:t>Quatrième niveau</a:t>
             </a:r>
           </a:p>
           <a:p>
-            <a:pPr lvl="4"/>
+            <a:pPr lvl="4" eaLnBrk="1" latinLnBrk="0" hangingPunct="1"/>
             <a:r>
               <a:rPr lang="fr-FR" smtClean="0"/>
               <a:t>Cinquième niveau</a:t>
             </a:r>
-            <a:endParaRPr lang="en-US" dirty="0"/>
+            <a:endParaRPr kumimoji="0" lang="en-US"/>
           </a:p>
         </p:txBody>
       </p:sp>
@@ -1928,15 +1830,15 @@
         </p:nvSpPr>
         <p:spPr>
           <a:xfrm>
-            <a:off x="4648200" y="1673352"/>
-            <a:ext cx="4038600" cy="4718304"/>
+            <a:off x="4648200" y="1920085"/>
+            <a:ext cx="4038600" cy="4434840"/>
           </a:xfrm>
         </p:spPr>
         <p:txBody>
           <a:bodyPr/>
           <a:lstStyle>
             <a:lvl1pPr>
-              <a:defRPr sz="2800"/>
+              <a:defRPr sz="2600"/>
             </a:lvl1pPr>
             <a:lvl2pPr>
               <a:defRPr sz="2400"/>
@@ -1950,54 +1852,42 @@
             <a:lvl5pPr>
               <a:defRPr sz="1800"/>
             </a:lvl5pPr>
-            <a:lvl6pPr>
-              <a:defRPr sz="1800"/>
-            </a:lvl6pPr>
-            <a:lvl7pPr>
-              <a:defRPr sz="1800"/>
-            </a:lvl7pPr>
-            <a:lvl8pPr>
-              <a:defRPr sz="1800"/>
-            </a:lvl8pPr>
-            <a:lvl9pPr>
-              <a:defRPr sz="1800"/>
-            </a:lvl9pPr>
           </a:lstStyle>
           <a:p>
-            <a:pPr lvl="0"/>
+            <a:pPr lvl="0" eaLnBrk="1" latinLnBrk="0" hangingPunct="1"/>
             <a:r>
               <a:rPr lang="fr-FR" smtClean="0"/>
               <a:t>Modifiez les styles du texte du masque</a:t>
             </a:r>
           </a:p>
           <a:p>
-            <a:pPr lvl="1"/>
+            <a:pPr lvl="1" eaLnBrk="1" latinLnBrk="0" hangingPunct="1"/>
             <a:r>
               <a:rPr lang="fr-FR" smtClean="0"/>
               <a:t>Deuxième niveau</a:t>
             </a:r>
           </a:p>
           <a:p>
-            <a:pPr lvl="2"/>
+            <a:pPr lvl="2" eaLnBrk="1" latinLnBrk="0" hangingPunct="1"/>
             <a:r>
               <a:rPr lang="fr-FR" smtClean="0"/>
               <a:t>Troisième niveau</a:t>
             </a:r>
           </a:p>
           <a:p>
-            <a:pPr lvl="3"/>
+            <a:pPr lvl="3" eaLnBrk="1" latinLnBrk="0" hangingPunct="1"/>
             <a:r>
               <a:rPr lang="fr-FR" smtClean="0"/>
               <a:t>Quatrième niveau</a:t>
             </a:r>
           </a:p>
           <a:p>
-            <a:pPr lvl="4"/>
+            <a:pPr lvl="4" eaLnBrk="1" latinLnBrk="0" hangingPunct="1"/>
             <a:r>
               <a:rPr lang="fr-FR" smtClean="0"/>
               <a:t>Cinquième niveau</a:t>
             </a:r>
-            <a:endParaRPr lang="en-US" dirty="0"/>
+            <a:endParaRPr kumimoji="0" lang="en-US"/>
           </a:p>
         </p:txBody>
       </p:sp>
@@ -2105,9 +1995,14 @@
             <p:ph type="title"/>
           </p:nvPr>
         </p:nvSpPr>
-        <p:spPr/>
-        <p:txBody>
-          <a:bodyPr/>
+        <p:spPr>
+          <a:xfrm>
+            <a:off x="457200" y="704088"/>
+            <a:ext cx="8229600" cy="1143000"/>
+          </a:xfrm>
+        </p:spPr>
+        <p:txBody>
+          <a:bodyPr tIns="45720" anchor="b"/>
           <a:lstStyle>
             <a:lvl1pPr>
               <a:defRPr/>
@@ -2115,10 +2010,10 @@
           </a:lstStyle>
           <a:p>
             <a:r>
-              <a:rPr lang="fr-FR" smtClean="0"/>
+              <a:rPr kumimoji="0" lang="fr-FR" smtClean="0"/>
               <a:t>Modifiez le style du titre</a:t>
             </a:r>
-            <a:endParaRPr lang="en-US" dirty="0"/>
+            <a:endParaRPr kumimoji="0" lang="en-US"/>
           </a:p>
         </p:txBody>
       </p:sp>
@@ -2134,77 +2029,99 @@
         </p:nvSpPr>
         <p:spPr>
           <a:xfrm>
-            <a:off x="457200" y="1676400"/>
-            <a:ext cx="3931920" cy="639762"/>
+            <a:off x="457200" y="1855248"/>
+            <a:ext cx="4040188" cy="659352"/>
           </a:xfrm>
-          <a:noFill/>
-          <a:ln>
-            <a:noFill/>
-          </a:ln>
-          <a:effectLst/>
         </p:spPr>
-        <p:style>
-          <a:lnRef idx="3">
-            <a:schemeClr val="lt1"/>
-          </a:lnRef>
-          <a:fillRef idx="1">
-            <a:schemeClr val="accent2"/>
-          </a:fillRef>
-          <a:effectRef idx="1">
-            <a:schemeClr val="accent2"/>
-          </a:effectRef>
-          <a:fontRef idx="none"/>
-        </p:style>
-        <p:txBody>
-          <a:bodyPr anchor="ctr">
-            <a:normAutofit/>
+        <p:txBody>
+          <a:bodyPr lIns="45720" tIns="0" rIns="45720" bIns="0" anchor="ctr">
+            <a:noAutofit/>
           </a:bodyPr>
           <a:lstStyle>
-            <a:lvl1pPr marL="0" indent="0" algn="ctr">
+            <a:lvl1pPr marL="0" indent="0">
               <a:buNone/>
-              <a:defRPr sz="2000" b="0">
+              <a:defRPr sz="2400" b="1" cap="none" baseline="0">
                 <a:solidFill>
                   <a:schemeClr val="tx2"/>
                 </a:solidFill>
+                <a:effectLst/>
               </a:defRPr>
             </a:lvl1pPr>
-            <a:lvl2pPr marL="457200" indent="0">
+            <a:lvl2pPr>
               <a:buNone/>
               <a:defRPr sz="2000" b="1"/>
             </a:lvl2pPr>
-            <a:lvl3pPr marL="914400" indent="0">
+            <a:lvl3pPr>
               <a:buNone/>
               <a:defRPr sz="1800" b="1"/>
             </a:lvl3pPr>
-            <a:lvl4pPr marL="1371600" indent="0">
+            <a:lvl4pPr>
               <a:buNone/>
               <a:defRPr sz="1600" b="1"/>
             </a:lvl4pPr>
-            <a:lvl5pPr marL="1828800" indent="0">
+            <a:lvl5pPr>
               <a:buNone/>
               <a:defRPr sz="1600" b="1"/>
             </a:lvl5pPr>
-            <a:lvl6pPr marL="2286000" indent="0">
+          </a:lstStyle>
+          <a:p>
+            <a:pPr lvl="0" eaLnBrk="1" latinLnBrk="0" hangingPunct="1"/>
+            <a:r>
+              <a:rPr kumimoji="0" lang="fr-FR" smtClean="0"/>
+              <a:t>Modifiez les styles du texte du masque</a:t>
+            </a:r>
+          </a:p>
+        </p:txBody>
+      </p:sp>
+      <p:sp>
+        <p:nvSpPr>
+          <p:cNvPr id="4" name="Text Placeholder 3"/>
+          <p:cNvSpPr>
+            <a:spLocks noGrp="1"/>
+          </p:cNvSpPr>
+          <p:nvPr>
+            <p:ph type="body" sz="half" idx="3"/>
+          </p:nvPr>
+        </p:nvSpPr>
+        <p:spPr>
+          <a:xfrm>
+            <a:off x="4645025" y="1859757"/>
+            <a:ext cx="4041775" cy="654843"/>
+          </a:xfrm>
+        </p:spPr>
+        <p:txBody>
+          <a:bodyPr lIns="45720" tIns="0" rIns="45720" bIns="0" anchor="ctr"/>
+          <a:lstStyle>
+            <a:lvl1pPr marL="0" indent="0">
+              <a:buNone/>
+              <a:defRPr sz="2400" b="1" cap="none" baseline="0">
+                <a:solidFill>
+                  <a:schemeClr val="tx2"/>
+                </a:solidFill>
+                <a:effectLst/>
+              </a:defRPr>
+            </a:lvl1pPr>
+            <a:lvl2pPr>
+              <a:buNone/>
+              <a:defRPr sz="2000" b="1"/>
+            </a:lvl2pPr>
+            <a:lvl3pPr>
+              <a:buNone/>
+              <a:defRPr sz="1800" b="1"/>
+            </a:lvl3pPr>
+            <a:lvl4pPr>
               <a:buNone/>
               <a:defRPr sz="1600" b="1"/>
-            </a:lvl6pPr>
-            <a:lvl7pPr marL="2743200" indent="0">
+            </a:lvl4pPr>
+            <a:lvl5pPr>
               <a:buNone/>
               <a:defRPr sz="1600" b="1"/>
-            </a:lvl7pPr>
-            <a:lvl8pPr marL="3200400" indent="0">
-              <a:buNone/>
-              <a:defRPr sz="1600" b="1"/>
-            </a:lvl8pPr>
-            <a:lvl9pPr marL="3657600" indent="0">
-              <a:buNone/>
-              <a:defRPr sz="1600" b="1"/>
-            </a:lvl9pPr>
+            </a:lvl5pPr>
           </a:lstStyle>
           <a:p>
-            <a:pPr lvl="0"/>
-            <a:r>
-              <a:rPr lang="fr-FR" smtClean="0"/>
+            <a:pPr lvl="0" eaLnBrk="1" latinLnBrk="0" hangingPunct="1"/>
+            <a:r>
+              <a:rPr kumimoji="0" lang="fr-FR" smtClean="0"/>
               <a:t>Modifiez les styles du texte du masque</a:t>
             </a:r>
           </a:p>
@@ -2212,25 +2129,25 @@
       </p:sp>
       <p:sp>
         <p:nvSpPr>
-          <p:cNvPr id="4" name="Content Placeholder 3"/>
-          <p:cNvSpPr>
-            <a:spLocks noGrp="1"/>
-          </p:cNvSpPr>
-          <p:nvPr>
-            <p:ph sz="half" idx="2"/>
+          <p:cNvPr id="5" name="Content Placeholder 4"/>
+          <p:cNvSpPr>
+            <a:spLocks noGrp="1"/>
+          </p:cNvSpPr>
+          <p:nvPr>
+            <p:ph sz="quarter" idx="2"/>
           </p:nvPr>
         </p:nvSpPr>
         <p:spPr>
           <a:xfrm>
-            <a:off x="457200" y="2438400"/>
-            <a:ext cx="3931920" cy="3951288"/>
+            <a:off x="457200" y="2514600"/>
+            <a:ext cx="4040188" cy="3845720"/>
           </a:xfrm>
         </p:spPr>
         <p:txBody>
-          <a:bodyPr/>
+          <a:bodyPr tIns="0"/>
           <a:lstStyle>
             <a:lvl1pPr>
-              <a:defRPr sz="2400"/>
+              <a:defRPr sz="2200"/>
             </a:lvl1pPr>
             <a:lvl2pPr>
               <a:defRPr sz="2000"/>
@@ -2244,169 +2161,66 @@
             <a:lvl5pPr>
               <a:defRPr sz="1600"/>
             </a:lvl5pPr>
-            <a:lvl6pPr>
-              <a:defRPr sz="1600"/>
-            </a:lvl6pPr>
-            <a:lvl7pPr>
-              <a:defRPr sz="1600"/>
-            </a:lvl7pPr>
-            <a:lvl8pPr>
-              <a:defRPr sz="1600"/>
-            </a:lvl8pPr>
-            <a:lvl9pPr>
-              <a:defRPr sz="1600"/>
-            </a:lvl9pPr>
           </a:lstStyle>
           <a:p>
-            <a:pPr lvl="0"/>
+            <a:pPr lvl="0" eaLnBrk="1" latinLnBrk="0" hangingPunct="1"/>
             <a:r>
               <a:rPr lang="fr-FR" smtClean="0"/>
               <a:t>Modifiez les styles du texte du masque</a:t>
             </a:r>
           </a:p>
           <a:p>
-            <a:pPr lvl="1"/>
+            <a:pPr lvl="1" eaLnBrk="1" latinLnBrk="0" hangingPunct="1"/>
             <a:r>
               <a:rPr lang="fr-FR" smtClean="0"/>
               <a:t>Deuxième niveau</a:t>
             </a:r>
           </a:p>
           <a:p>
-            <a:pPr lvl="2"/>
+            <a:pPr lvl="2" eaLnBrk="1" latinLnBrk="0" hangingPunct="1"/>
             <a:r>
               <a:rPr lang="fr-FR" smtClean="0"/>
               <a:t>Troisième niveau</a:t>
             </a:r>
           </a:p>
           <a:p>
-            <a:pPr lvl="3"/>
+            <a:pPr lvl="3" eaLnBrk="1" latinLnBrk="0" hangingPunct="1"/>
             <a:r>
               <a:rPr lang="fr-FR" smtClean="0"/>
               <a:t>Quatrième niveau</a:t>
             </a:r>
           </a:p>
           <a:p>
-            <a:pPr lvl="4"/>
+            <a:pPr lvl="4" eaLnBrk="1" latinLnBrk="0" hangingPunct="1"/>
             <a:r>
               <a:rPr lang="fr-FR" smtClean="0"/>
               <a:t>Cinquième niveau</a:t>
             </a:r>
-            <a:endParaRPr lang="en-US" dirty="0"/>
-          </a:p>
-        </p:txBody>
-      </p:sp>
-      <p:sp>
-        <p:nvSpPr>
-          <p:cNvPr id="5" name="Text Placeholder 4"/>
-          <p:cNvSpPr>
-            <a:spLocks noGrp="1"/>
-          </p:cNvSpPr>
-          <p:nvPr>
-            <p:ph type="body" sz="quarter" idx="3"/>
+            <a:endParaRPr kumimoji="0" lang="en-US"/>
+          </a:p>
+        </p:txBody>
+      </p:sp>
+      <p:sp>
+        <p:nvSpPr>
+          <p:cNvPr id="6" name="Content Placeholder 5"/>
+          <p:cNvSpPr>
+            <a:spLocks noGrp="1"/>
+          </p:cNvSpPr>
+          <p:nvPr>
+            <p:ph sz="quarter" idx="4"/>
           </p:nvPr>
         </p:nvSpPr>
         <p:spPr>
           <a:xfrm>
-            <a:off x="4754880" y="1676400"/>
-            <a:ext cx="3931920" cy="639762"/>
-          </a:xfrm>
-          <a:noFill/>
-          <a:ln>
-            <a:noFill/>
-          </a:ln>
-          <a:effectLst/>
-        </p:spPr>
-        <p:style>
-          <a:lnRef idx="3">
-            <a:schemeClr val="lt1"/>
-          </a:lnRef>
-          <a:fillRef idx="1">
-            <a:schemeClr val="accent2"/>
-          </a:fillRef>
-          <a:effectRef idx="1">
-            <a:schemeClr val="accent2"/>
-          </a:effectRef>
-          <a:fontRef idx="none"/>
-        </p:style>
-        <p:txBody>
-          <a:bodyPr anchor="ctr">
-            <a:normAutofit/>
-          </a:bodyPr>
-          <a:lstStyle>
-            <a:lvl1pPr marL="0" indent="0" algn="ctr">
-              <a:buNone/>
-              <a:defRPr lang="en-US" sz="2000" b="0" kern="1200" dirty="0" smtClean="0">
-                <a:solidFill>
-                  <a:schemeClr val="tx2"/>
-                </a:solidFill>
-                <a:latin typeface="+mn-lt"/>
-                <a:ea typeface="+mn-ea"/>
-                <a:cs typeface="+mn-cs"/>
-              </a:defRPr>
-            </a:lvl1pPr>
-            <a:lvl2pPr marL="457200" indent="0">
-              <a:buNone/>
-              <a:defRPr sz="2000" b="1"/>
-            </a:lvl2pPr>
-            <a:lvl3pPr marL="914400" indent="0">
-              <a:buNone/>
-              <a:defRPr sz="1800" b="1"/>
-            </a:lvl3pPr>
-            <a:lvl4pPr marL="1371600" indent="0">
-              <a:buNone/>
-              <a:defRPr sz="1600" b="1"/>
-            </a:lvl4pPr>
-            <a:lvl5pPr marL="1828800" indent="0">
-              <a:buNone/>
-              <a:defRPr sz="1600" b="1"/>
-            </a:lvl5pPr>
-            <a:lvl6pPr marL="2286000" indent="0">
-              <a:buNone/>
-              <a:defRPr sz="1600" b="1"/>
-            </a:lvl6pPr>
-            <a:lvl7pPr marL="2743200" indent="0">
-              <a:buNone/>
-              <a:defRPr sz="1600" b="1"/>
-            </a:lvl7pPr>
-            <a:lvl8pPr marL="3200400" indent="0">
-              <a:buNone/>
-              <a:defRPr sz="1600" b="1"/>
-            </a:lvl8pPr>
-            <a:lvl9pPr marL="3657600" indent="0">
-              <a:buNone/>
-              <a:defRPr sz="1600" b="1"/>
-            </a:lvl9pPr>
-          </a:lstStyle>
-          <a:p>
-            <a:pPr lvl="0"/>
-            <a:r>
-              <a:rPr lang="fr-FR" smtClean="0"/>
-              <a:t>Modifiez les styles du texte du masque</a:t>
-            </a:r>
-          </a:p>
-        </p:txBody>
-      </p:sp>
-      <p:sp>
-        <p:nvSpPr>
-          <p:cNvPr id="6" name="Content Placeholder 5"/>
-          <p:cNvSpPr>
-            <a:spLocks noGrp="1"/>
-          </p:cNvSpPr>
-          <p:nvPr>
-            <p:ph sz="quarter" idx="4"/>
-          </p:nvPr>
-        </p:nvSpPr>
-        <p:spPr>
-          <a:xfrm>
-            <a:off x="4754880" y="2438400"/>
-            <a:ext cx="3931920" cy="3951288"/>
+            <a:off x="4645025" y="2514600"/>
+            <a:ext cx="4041775" cy="3845720"/>
           </a:xfrm>
         </p:spPr>
         <p:txBody>
-          <a:bodyPr/>
+          <a:bodyPr tIns="0"/>
           <a:lstStyle>
             <a:lvl1pPr>
-              <a:defRPr sz="2400"/>
+              <a:defRPr sz="2200"/>
             </a:lvl1pPr>
             <a:lvl2pPr>
               <a:defRPr sz="2000"/>
@@ -2420,54 +2234,42 @@
             <a:lvl5pPr>
               <a:defRPr sz="1600"/>
             </a:lvl5pPr>
-            <a:lvl6pPr>
-              <a:defRPr sz="1600"/>
-            </a:lvl6pPr>
-            <a:lvl7pPr>
-              <a:defRPr sz="1600"/>
-            </a:lvl7pPr>
-            <a:lvl8pPr>
-              <a:defRPr sz="1600"/>
-            </a:lvl8pPr>
-            <a:lvl9pPr>
-              <a:defRPr sz="1600"/>
-            </a:lvl9pPr>
           </a:lstStyle>
           <a:p>
-            <a:pPr lvl="0"/>
+            <a:pPr lvl="0" eaLnBrk="1" latinLnBrk="0" hangingPunct="1"/>
             <a:r>
               <a:rPr lang="fr-FR" smtClean="0"/>
               <a:t>Modifiez les styles du texte du masque</a:t>
             </a:r>
           </a:p>
           <a:p>
-            <a:pPr lvl="1"/>
+            <a:pPr lvl="1" eaLnBrk="1" latinLnBrk="0" hangingPunct="1"/>
             <a:r>
               <a:rPr lang="fr-FR" smtClean="0"/>
               <a:t>Deuxième niveau</a:t>
             </a:r>
           </a:p>
           <a:p>
-            <a:pPr lvl="2"/>
+            <a:pPr lvl="2" eaLnBrk="1" latinLnBrk="0" hangingPunct="1"/>
             <a:r>
               <a:rPr lang="fr-FR" smtClean="0"/>
               <a:t>Troisième niveau</a:t>
             </a:r>
           </a:p>
           <a:p>
-            <a:pPr lvl="3"/>
+            <a:pPr lvl="3" eaLnBrk="1" latinLnBrk="0" hangingPunct="1"/>
             <a:r>
               <a:rPr lang="fr-FR" smtClean="0"/>
               <a:t>Quatrième niveau</a:t>
             </a:r>
           </a:p>
           <a:p>
-            <a:pPr lvl="4"/>
+            <a:pPr lvl="4" eaLnBrk="1" latinLnBrk="0" hangingPunct="1"/>
             <a:r>
               <a:rPr lang="fr-FR" smtClean="0"/>
               <a:t>Cinquième niveau</a:t>
             </a:r>
-            <a:endParaRPr lang="en-US" dirty="0"/>
+            <a:endParaRPr kumimoji="0" lang="en-US"/>
           </a:p>
         </p:txBody>
       </p:sp>
@@ -2540,41 +2342,6 @@
           </a:p>
         </p:txBody>
       </p:sp>
-      <p:cxnSp>
-        <p:nvCxnSpPr>
-          <p:cNvPr id="11" name="Straight Connector 10"/>
-          <p:cNvCxnSpPr/>
-          <p:nvPr/>
-        </p:nvCxnSpPr>
-        <p:spPr>
-          <a:xfrm rot="5400000">
-            <a:off x="2217817" y="4045823"/>
-            <a:ext cx="4709160" cy="794"/>
-          </a:xfrm>
-          <a:prstGeom prst="line">
-            <a:avLst/>
-          </a:prstGeom>
-          <a:ln w="19050">
-            <a:solidFill>
-              <a:schemeClr val="tx2"/>
-            </a:solidFill>
-          </a:ln>
-        </p:spPr>
-        <p:style>
-          <a:lnRef idx="1">
-            <a:schemeClr val="accent1"/>
-          </a:lnRef>
-          <a:fillRef idx="0">
-            <a:schemeClr val="accent1"/>
-          </a:fillRef>
-          <a:effectRef idx="0">
-            <a:schemeClr val="accent1"/>
-          </a:effectRef>
-          <a:fontRef idx="minor">
-            <a:schemeClr val="tx1"/>
-          </a:fontRef>
-        </p:style>
-      </p:cxnSp>
     </p:spTree>
   </p:cSld>
   <p:clrMapOvr>
@@ -2610,16 +2377,53 @@
             <p:ph type="title"/>
           </p:nvPr>
         </p:nvSpPr>
-        <p:spPr/>
-        <p:txBody>
-          <a:bodyPr/>
-          <a:lstStyle/>
-          <a:p>
-            <a:r>
-              <a:rPr lang="fr-FR" smtClean="0"/>
+        <p:spPr>
+          <a:xfrm>
+            <a:off x="457200" y="704088"/>
+            <a:ext cx="8305800" cy="1143000"/>
+          </a:xfrm>
+        </p:spPr>
+        <p:txBody>
+          <a:bodyPr vert="horz" tIns="45720" bIns="0" anchor="b">
+            <a:normAutofit/>
+            <a:scene3d>
+              <a:camera prst="orthographicFront"/>
+              <a:lightRig rig="freezing" dir="t">
+                <a:rot lat="0" lon="0" rev="5640000"/>
+              </a:lightRig>
+            </a:scene3d>
+            <a:sp3d prstMaterial="flat">
+              <a:contourClr>
+                <a:schemeClr val="tx2"/>
+              </a:contourClr>
+            </a:sp3d>
+          </a:bodyPr>
+          <a:lstStyle>
+            <a:lvl1pPr algn="l" rtl="0">
+              <a:spcBef>
+                <a:spcPct val="0"/>
+              </a:spcBef>
+              <a:buNone/>
+              <a:defRPr sz="5000" b="0">
+                <a:ln>
+                  <a:noFill/>
+                </a:ln>
+                <a:solidFill>
+                  <a:schemeClr val="tx2"/>
+                </a:solidFill>
+                <a:effectLst/>
+                <a:latin typeface="+mj-lt"/>
+                <a:ea typeface="+mj-ea"/>
+                <a:cs typeface="+mj-cs"/>
+              </a:defRPr>
+            </a:lvl1pPr>
+          </a:lstStyle>
+          <a:p>
+            <a:r>
+              <a:rPr kumimoji="0" lang="fr-FR" smtClean="0"/>
               <a:t>Modifiez le style du titre</a:t>
             </a:r>
-            <a:endParaRPr lang="en-US"/>
+            <a:endParaRPr kumimoji="0" lang="en-US"/>
           </a:p>
         </p:txBody>
       </p:sp>
@@ -2823,52 +2627,116 @@
         </p:nvSpPr>
         <p:spPr>
           <a:xfrm>
-            <a:off x="457200" y="792080"/>
-            <a:ext cx="2139696" cy="1261872"/>
+            <a:off x="685800" y="514352"/>
+            <a:ext cx="2743200" cy="1162050"/>
           </a:xfrm>
         </p:spPr>
         <p:txBody>
-          <a:bodyPr anchor="b">
+          <a:bodyPr lIns="0" anchor="b">
             <a:noAutofit/>
           </a:bodyPr>
           <a:lstStyle>
-            <a:lvl1pPr algn="l">
-              <a:defRPr sz="2400" b="0"/>
+            <a:lvl1pPr algn="l" rtl="0">
+              <a:spcBef>
+                <a:spcPct val="0"/>
+              </a:spcBef>
+              <a:buNone/>
+              <a:defRPr sz="2600" b="0">
+                <a:ln>
+                  <a:noFill/>
+                </a:ln>
+                <a:solidFill>
+                  <a:schemeClr val="tx2"/>
+                </a:solidFill>
+                <a:effectLst/>
+                <a:latin typeface="+mj-lt"/>
+                <a:ea typeface="+mj-ea"/>
+                <a:cs typeface="+mj-cs"/>
+              </a:defRPr>
             </a:lvl1pPr>
           </a:lstStyle>
           <a:p>
             <a:r>
-              <a:rPr lang="fr-FR" smtClean="0"/>
+              <a:rPr kumimoji="0" lang="fr-FR" smtClean="0"/>
               <a:t>Modifiez le style du titre</a:t>
             </a:r>
-            <a:endParaRPr lang="en-US" dirty="0"/>
-          </a:p>
-        </p:txBody>
-      </p:sp>
-      <p:sp>
-        <p:nvSpPr>
-          <p:cNvPr id="3" name="Content Placeholder 2"/>
-          <p:cNvSpPr>
-            <a:spLocks noGrp="1"/>
-          </p:cNvSpPr>
-          <p:nvPr>
-            <p:ph idx="1"/>
+            <a:endParaRPr kumimoji="0" lang="en-US"/>
+          </a:p>
+        </p:txBody>
+      </p:sp>
+      <p:sp>
+        <p:nvSpPr>
+          <p:cNvPr id="3" name="Text Placeholder 2"/>
+          <p:cNvSpPr>
+            <a:spLocks noGrp="1"/>
+          </p:cNvSpPr>
+          <p:nvPr>
+            <p:ph type="body" idx="2"/>
           </p:nvPr>
         </p:nvSpPr>
         <p:spPr>
           <a:xfrm>
-            <a:off x="2971800" y="792080"/>
-            <a:ext cx="5715000" cy="5577840"/>
+            <a:off x="685800" y="1676400"/>
+            <a:ext cx="2743200" cy="4572000"/>
           </a:xfrm>
         </p:spPr>
         <p:txBody>
-          <a:bodyPr/>
+          <a:bodyPr lIns="18288" rIns="18288"/>
+          <a:lstStyle>
+            <a:lvl1pPr marL="0" indent="0" algn="l">
+              <a:buNone/>
+              <a:defRPr sz="1400"/>
+            </a:lvl1pPr>
+            <a:lvl2pPr indent="0" algn="l">
+              <a:buNone/>
+              <a:defRPr sz="1200"/>
+            </a:lvl2pPr>
+            <a:lvl3pPr indent="0" algn="l">
+              <a:buNone/>
+              <a:defRPr sz="1000"/>
+            </a:lvl3pPr>
+            <a:lvl4pPr indent="0" algn="l">
+              <a:buNone/>
+              <a:defRPr sz="900"/>
+            </a:lvl4pPr>
+            <a:lvl5pPr indent="0" algn="l">
+              <a:buNone/>
+              <a:defRPr sz="900"/>
+            </a:lvl5pPr>
+          </a:lstStyle>
+          <a:p>
+            <a:pPr lvl="0" eaLnBrk="1" latinLnBrk="0" hangingPunct="1"/>
+            <a:r>
+              <a:rPr kumimoji="0" lang="fr-FR" smtClean="0"/>
+              <a:t>Modifiez les styles du texte du masque</a:t>
+            </a:r>
+          </a:p>
+        </p:txBody>
+      </p:sp>
+      <p:sp>
+        <p:nvSpPr>
+          <p:cNvPr id="4" name="Content Placeholder 3"/>
+          <p:cNvSpPr>
+            <a:spLocks noGrp="1"/>
+          </p:cNvSpPr>
+          <p:nvPr>
+            <p:ph sz="half" idx="1"/>
+          </p:nvPr>
+        </p:nvSpPr>
+        <p:spPr>
+          <a:xfrm>
+            <a:off x="3575050" y="1676400"/>
+            <a:ext cx="5111750" cy="4572000"/>
+          </a:xfrm>
+        </p:spPr>
+        <p:txBody>
+          <a:bodyPr tIns="0"/>
           <a:lstStyle>
             <a:lvl1pPr>
-              <a:defRPr sz="3200"/>
+              <a:defRPr sz="2800"/>
             </a:lvl1pPr>
             <a:lvl2pPr>
-              <a:defRPr sz="2800"/>
+              <a:defRPr sz="2600"/>
             </a:lvl2pPr>
             <a:lvl3pPr>
               <a:defRPr sz="2400"/>
@@ -2877,121 +2745,44 @@
               <a:defRPr sz="2000"/>
             </a:lvl4pPr>
             <a:lvl5pPr>
-              <a:defRPr sz="2000"/>
+              <a:defRPr sz="1800"/>
             </a:lvl5pPr>
-            <a:lvl6pPr>
-              <a:defRPr sz="2000"/>
-            </a:lvl6pPr>
-            <a:lvl7pPr>
-              <a:defRPr sz="2000"/>
-            </a:lvl7pPr>
-            <a:lvl8pPr>
-              <a:defRPr sz="2000"/>
-            </a:lvl8pPr>
-            <a:lvl9pPr>
-              <a:defRPr sz="2000"/>
-            </a:lvl9pPr>
           </a:lstStyle>
           <a:p>
-            <a:pPr lvl="0"/>
+            <a:pPr lvl="0" eaLnBrk="1" latinLnBrk="0" hangingPunct="1"/>
             <a:r>
               <a:rPr lang="fr-FR" smtClean="0"/>
               <a:t>Modifiez les styles du texte du masque</a:t>
             </a:r>
           </a:p>
           <a:p>
-            <a:pPr lvl="1"/>
+            <a:pPr lvl="1" eaLnBrk="1" latinLnBrk="0" hangingPunct="1"/>
             <a:r>
               <a:rPr lang="fr-FR" smtClean="0"/>
               <a:t>Deuxième niveau</a:t>
             </a:r>
           </a:p>
           <a:p>
-            <a:pPr lvl="2"/>
+            <a:pPr lvl="2" eaLnBrk="1" latinLnBrk="0" hangingPunct="1"/>
             <a:r>
               <a:rPr lang="fr-FR" smtClean="0"/>
               <a:t>Troisième niveau</a:t>
             </a:r>
           </a:p>
           <a:p>
-            <a:pPr lvl="3"/>
+            <a:pPr lvl="3" eaLnBrk="1" latinLnBrk="0" hangingPunct="1"/>
             <a:r>
               <a:rPr lang="fr-FR" smtClean="0"/>
               <a:t>Quatrième niveau</a:t>
             </a:r>
           </a:p>
           <a:p>
-            <a:pPr lvl="4"/>
+            <a:pPr lvl="4" eaLnBrk="1" latinLnBrk="0" hangingPunct="1"/>
             <a:r>
               <a:rPr lang="fr-FR" smtClean="0"/>
               <a:t>Cinquième niveau</a:t>
             </a:r>
-            <a:endParaRPr lang="en-US" dirty="0"/>
-          </a:p>
-        </p:txBody>
-      </p:sp>
-      <p:sp>
-        <p:nvSpPr>
-          <p:cNvPr id="4" name="Text Placeholder 3"/>
-          <p:cNvSpPr>
-            <a:spLocks noGrp="1"/>
-          </p:cNvSpPr>
-          <p:nvPr>
-            <p:ph type="body" sz="half" idx="2"/>
-          </p:nvPr>
-        </p:nvSpPr>
-        <p:spPr>
-          <a:xfrm>
-            <a:off x="457201" y="2130552"/>
-            <a:ext cx="2139696" cy="4243615"/>
-          </a:xfrm>
-        </p:spPr>
-        <p:txBody>
-          <a:bodyPr/>
-          <a:lstStyle>
-            <a:lvl1pPr marL="0" indent="0">
-              <a:buNone/>
-              <a:defRPr sz="1400"/>
-            </a:lvl1pPr>
-            <a:lvl2pPr marL="457200" indent="0">
-              <a:buNone/>
-              <a:defRPr sz="1200"/>
-            </a:lvl2pPr>
-            <a:lvl3pPr marL="914400" indent="0">
-              <a:buNone/>
-              <a:defRPr sz="1000"/>
-            </a:lvl3pPr>
-            <a:lvl4pPr marL="1371600" indent="0">
-              <a:buNone/>
-              <a:defRPr sz="900"/>
-            </a:lvl4pPr>
-            <a:lvl5pPr marL="1828800" indent="0">
-              <a:buNone/>
-              <a:defRPr sz="900"/>
-            </a:lvl5pPr>
-            <a:lvl6pPr marL="2286000" indent="0">
-              <a:buNone/>
-              <a:defRPr sz="900"/>
-            </a:lvl6pPr>
-            <a:lvl7pPr marL="2743200" indent="0">
-              <a:buNone/>
-              <a:defRPr sz="900"/>
-            </a:lvl7pPr>
-            <a:lvl8pPr marL="3200400" indent="0">
-              <a:buNone/>
-              <a:defRPr sz="900"/>
-            </a:lvl8pPr>
-            <a:lvl9pPr marL="3657600" indent="0">
-              <a:buNone/>
-              <a:defRPr sz="900"/>
-            </a:lvl9pPr>
-          </a:lstStyle>
-          <a:p>
-            <a:pPr lvl="0"/>
-            <a:r>
-              <a:rPr lang="fr-FR" smtClean="0"/>
-              <a:t>Modifiez les styles du texte du masque</a:t>
-            </a:r>
+            <a:endParaRPr kumimoji="0" lang="en-US"/>
           </a:p>
         </p:txBody>
       </p:sp>
@@ -3064,41 +2855,6 @@
           </a:p>
         </p:txBody>
       </p:sp>
-      <p:cxnSp>
-        <p:nvCxnSpPr>
-          <p:cNvPr id="9" name="Straight Connector 8"/>
-          <p:cNvCxnSpPr/>
-          <p:nvPr/>
-        </p:nvCxnSpPr>
-        <p:spPr>
-          <a:xfrm rot="5400000">
-            <a:off x="-13116" y="3580206"/>
-            <a:ext cx="5577840" cy="1588"/>
-          </a:xfrm>
-          <a:prstGeom prst="line">
-            <a:avLst/>
-          </a:prstGeom>
-          <a:ln w="19050">
-            <a:solidFill>
-              <a:schemeClr val="tx2"/>
-            </a:solidFill>
-          </a:ln>
-        </p:spPr>
-        <p:style>
-          <a:lnRef idx="1">
-            <a:schemeClr val="accent1"/>
-          </a:lnRef>
-          <a:fillRef idx="0">
-            <a:schemeClr val="accent1"/>
-          </a:fillRef>
-          <a:effectRef idx="0">
-            <a:schemeClr val="accent1"/>
-          </a:effectRef>
-          <a:fontRef idx="minor">
-            <a:schemeClr val="tx1"/>
-          </a:fontRef>
-        </p:style>
-      </p:cxnSp>
     </p:spTree>
   </p:cSld>
   <p:clrMapOvr>
@@ -3108,7 +2864,7 @@
 </file>
 
 <file path=ppt/slideLayouts/slideLayout9.xml><?xml version="1.0" encoding="utf-8"?>
-<p:sldLayout xmlns:a="http://schemas.openxmlformats.org/drawingml/2006/main" xmlns:r="http://schemas.openxmlformats.org/officeDocument/2006/relationships" xmlns:p="http://schemas.openxmlformats.org/presentationml/2006/main" type="picTx" preserve="1">
+<p:sldLayout xmlns:a="http://schemas.openxmlformats.org/drawingml/2006/main" xmlns:r="http://schemas.openxmlformats.org/officeDocument/2006/relationships" xmlns:p="http://schemas.openxmlformats.org/presentationml/2006/main" showMasterSp="0" type="picTx" preserve="1">
   <p:cSld name="Image avec légende">
     <p:spTree>
       <p:nvGrpSpPr>
@@ -3126,6 +2882,118 @@
       </p:grpSpPr>
       <p:sp>
         <p:nvSpPr>
+          <p:cNvPr id="9" name="Snip and Round Single Corner Rectangle 8"/>
+          <p:cNvSpPr/>
+          <p:nvPr/>
+        </p:nvSpPr>
+        <p:spPr>
+          <a:xfrm rot="420000" flipV="1">
+            <a:off x="3165753" y="1108077"/>
+            <a:ext cx="5257800" cy="4114800"/>
+          </a:xfrm>
+          <a:prstGeom prst="snipRoundRect">
+            <a:avLst>
+              <a:gd name="adj1" fmla="val 0"/>
+              <a:gd name="adj2" fmla="val 3646"/>
+            </a:avLst>
+          </a:prstGeom>
+          <a:solidFill>
+            <a:srgbClr val="FFFFFF"/>
+          </a:solidFill>
+          <a:ln w="3175" cap="rnd" cmpd="sng" algn="ctr">
+            <a:solidFill>
+              <a:srgbClr val="C0C0C0"/>
+            </a:solidFill>
+            <a:prstDash val="solid"/>
+          </a:ln>
+          <a:effectLst>
+            <a:outerShdw blurRad="63500" dist="38500" dir="7500000" sx="98500" sy="100080" kx="100000" algn="tl" rotWithShape="0">
+              <a:srgbClr val="000000">
+                <a:alpha val="25000"/>
+              </a:srgbClr>
+            </a:outerShdw>
+          </a:effectLst>
+        </p:spPr>
+        <p:style>
+          <a:lnRef idx="2">
+            <a:schemeClr val="accent1"/>
+          </a:lnRef>
+          <a:fillRef idx="1">
+            <a:schemeClr val="accent1"/>
+          </a:fillRef>
+          <a:effectRef idx="0">
+            <a:schemeClr val="accent1"/>
+          </a:effectRef>
+          <a:fontRef idx="minor">
+            <a:schemeClr val="lt1"/>
+          </a:fontRef>
+        </p:style>
+        <p:txBody>
+          <a:bodyPr rtlCol="0" anchor="ctr"/>
+          <a:lstStyle/>
+          <a:p>
+            <a:pPr algn="ctr" eaLnBrk="1" latinLnBrk="0" hangingPunct="1"/>
+            <a:endParaRPr kumimoji="0" lang="en-US"/>
+          </a:p>
+        </p:txBody>
+      </p:sp>
+      <p:sp>
+        <p:nvSpPr>
+          <p:cNvPr id="12" name="Right Triangle 11"/>
+          <p:cNvSpPr/>
+          <p:nvPr/>
+        </p:nvSpPr>
+        <p:spPr>
+          <a:xfrm rot="420000" flipV="1">
+            <a:off x="8004134" y="5359769"/>
+            <a:ext cx="155448" cy="155448"/>
+          </a:xfrm>
+          <a:prstGeom prst="rtTriangle">
+            <a:avLst/>
+          </a:prstGeom>
+          <a:solidFill>
+            <a:srgbClr val="FFFFFF"/>
+          </a:solidFill>
+          <a:ln w="12700" cap="flat" cmpd="sng" algn="ctr">
+            <a:solidFill>
+              <a:srgbClr val="FFFFFF"/>
+            </a:solidFill>
+            <a:prstDash val="solid"/>
+            <a:bevel/>
+          </a:ln>
+          <a:effectLst>
+            <a:outerShdw blurRad="19685" dist="6350" dir="12900000" algn="tl" rotWithShape="0">
+              <a:srgbClr val="000000">
+                <a:alpha val="47000"/>
+              </a:srgbClr>
+            </a:outerShdw>
+          </a:effectLst>
+        </p:spPr>
+        <p:style>
+          <a:lnRef idx="2">
+            <a:schemeClr val="accent1"/>
+          </a:lnRef>
+          <a:fillRef idx="1">
+            <a:schemeClr val="accent1"/>
+          </a:fillRef>
+          <a:effectRef idx="0">
+            <a:schemeClr val="accent1"/>
+          </a:effectRef>
+          <a:fontRef idx="minor">
+            <a:schemeClr val="lt1"/>
+          </a:fontRef>
+        </p:style>
+        <p:txBody>
+          <a:bodyPr rtlCol="0" anchor="ctr"/>
+          <a:lstStyle/>
+          <a:p>
+            <a:pPr algn="ctr" eaLnBrk="1" latinLnBrk="0" hangingPunct="1"/>
+            <a:endParaRPr kumimoji="0" lang="en-US"/>
+          </a:p>
+        </p:txBody>
+      </p:sp>
+      <p:sp>
+        <p:nvSpPr>
           <p:cNvPr id="2" name="Title 1"/>
           <p:cNvSpPr>
             <a:spLocks noGrp="1"/>
@@ -3136,59 +3004,182 @@
         </p:nvSpPr>
         <p:spPr>
           <a:xfrm>
-            <a:off x="457200" y="792480"/>
-            <a:ext cx="2142680" cy="1264920"/>
+            <a:off x="609600" y="1176996"/>
+            <a:ext cx="2212848" cy="1582621"/>
           </a:xfrm>
         </p:spPr>
         <p:txBody>
-          <a:bodyPr anchor="b">
-            <a:normAutofit/>
-          </a:bodyPr>
+          <a:bodyPr vert="horz" lIns="45720" tIns="45720" rIns="45720" bIns="45720" anchor="b"/>
           <a:lstStyle>
             <a:lvl1pPr algn="l">
-              <a:defRPr sz="2400" b="0"/>
+              <a:buNone/>
+              <a:defRPr sz="2000" b="1">
+                <a:solidFill>
+                  <a:schemeClr val="tx2"/>
+                </a:solidFill>
+              </a:defRPr>
             </a:lvl1pPr>
           </a:lstStyle>
           <a:p>
             <a:r>
-              <a:rPr lang="fr-FR" smtClean="0"/>
+              <a:rPr kumimoji="0" lang="fr-FR" smtClean="0"/>
               <a:t>Modifiez le style du titre</a:t>
             </a:r>
-            <a:endParaRPr lang="en-US" dirty="0"/>
-          </a:p>
-        </p:txBody>
-      </p:sp>
-      <p:sp>
-        <p:nvSpPr>
-          <p:cNvPr id="3" name="Picture Placeholder 2"/>
-          <p:cNvSpPr>
-            <a:spLocks noGrp="1"/>
-          </p:cNvSpPr>
-          <p:nvPr>
-            <p:ph type="pic" idx="1"/>
+            <a:endParaRPr kumimoji="0" lang="en-US"/>
+          </a:p>
+        </p:txBody>
+      </p:sp>
+      <p:sp>
+        <p:nvSpPr>
+          <p:cNvPr id="4" name="Text Placeholder 3"/>
+          <p:cNvSpPr>
+            <a:spLocks noGrp="1"/>
+          </p:cNvSpPr>
+          <p:nvPr>
+            <p:ph type="body" sz="half" idx="2"/>
           </p:nvPr>
         </p:nvSpPr>
         <p:spPr>
           <a:xfrm>
-            <a:off x="2858610" y="838201"/>
-            <a:ext cx="5904390" cy="5500456"/>
+            <a:off x="609600" y="2828785"/>
+            <a:ext cx="2209800" cy="2179320"/>
           </a:xfrm>
+        </p:spPr>
+        <p:txBody>
+          <a:bodyPr lIns="64008" rIns="45720" bIns="45720" anchor="t"/>
+          <a:lstStyle>
+            <a:lvl1pPr marL="0" indent="0" algn="l">
+              <a:spcBef>
+                <a:spcPts val="250"/>
+              </a:spcBef>
+              <a:buFontTx/>
+              <a:buNone/>
+              <a:defRPr sz="1300"/>
+            </a:lvl1pPr>
+            <a:lvl2pPr>
+              <a:defRPr sz="1200"/>
+            </a:lvl2pPr>
+            <a:lvl3pPr>
+              <a:defRPr sz="1000"/>
+            </a:lvl3pPr>
+            <a:lvl4pPr>
+              <a:defRPr sz="900"/>
+            </a:lvl4pPr>
+            <a:lvl5pPr>
+              <a:defRPr sz="900"/>
+            </a:lvl5pPr>
+          </a:lstStyle>
+          <a:p>
+            <a:pPr lvl="0" eaLnBrk="1" latinLnBrk="0" hangingPunct="1"/>
+            <a:r>
+              <a:rPr kumimoji="0" lang="fr-FR" smtClean="0"/>
+              <a:t>Modifiez les styles du texte du masque</a:t>
+            </a:r>
+          </a:p>
+        </p:txBody>
+      </p:sp>
+      <p:sp>
+        <p:nvSpPr>
+          <p:cNvPr id="5" name="Date Placeholder 4"/>
+          <p:cNvSpPr>
+            <a:spLocks noGrp="1"/>
+          </p:cNvSpPr>
+          <p:nvPr>
+            <p:ph type="dt" sz="half" idx="10"/>
+          </p:nvPr>
+        </p:nvSpPr>
+        <p:spPr/>
+        <p:txBody>
+          <a:bodyPr/>
+          <a:lstStyle/>
+          <a:p>
+            <a:fld id="{58F7BE53-22F2-4A87-A85C-F4A1E05106AE}" type="datetime1">
+              <a:rPr lang="fr-CH" smtClean="0"/>
+              <a:t>27.05.2015</a:t>
+            </a:fld>
+            <a:endParaRPr lang="fr-CH"/>
+          </a:p>
+        </p:txBody>
+      </p:sp>
+      <p:sp>
+        <p:nvSpPr>
+          <p:cNvPr id="6" name="Footer Placeholder 5"/>
+          <p:cNvSpPr>
+            <a:spLocks noGrp="1"/>
+          </p:cNvSpPr>
+          <p:nvPr>
+            <p:ph type="ftr" sz="quarter" idx="11"/>
+          </p:nvPr>
+        </p:nvSpPr>
+        <p:spPr/>
+        <p:txBody>
+          <a:bodyPr/>
+          <a:lstStyle/>
+          <a:p>
+            <a:r>
+              <a:rPr lang="en-US" smtClean="0"/>
+              <a:t>Devaud Alan - OneWay Tickets - TPI 2015</a:t>
+            </a:r>
+            <a:endParaRPr lang="fr-CH"/>
+          </a:p>
+        </p:txBody>
+      </p:sp>
+      <p:sp>
+        <p:nvSpPr>
+          <p:cNvPr id="7" name="Slide Number Placeholder 6"/>
+          <p:cNvSpPr>
+            <a:spLocks noGrp="1"/>
+          </p:cNvSpPr>
+          <p:nvPr>
+            <p:ph type="sldNum" sz="quarter" idx="12"/>
+          </p:nvPr>
+        </p:nvSpPr>
+        <p:spPr>
+          <a:xfrm>
+            <a:off x="8077200" y="6356350"/>
+            <a:ext cx="609600" cy="365125"/>
+          </a:xfrm>
+        </p:spPr>
+        <p:txBody>
+          <a:bodyPr/>
+          <a:lstStyle/>
+          <a:p>
+            <a:fld id="{9B457A66-229B-4E85-8F25-C95F219204B5}" type="slidenum">
+              <a:rPr lang="fr-CH" smtClean="0"/>
+              <a:t>‹N°›</a:t>
+            </a:fld>
+            <a:endParaRPr lang="fr-CH"/>
+          </a:p>
+        </p:txBody>
+      </p:sp>
+      <p:sp>
+        <p:nvSpPr>
+          <p:cNvPr id="3" name="Picture Placeholder 2"/>
+          <p:cNvSpPr>
+            <a:spLocks noGrp="1"/>
+          </p:cNvSpPr>
+          <p:nvPr>
+            <p:ph type="pic" idx="1"/>
+          </p:nvPr>
+        </p:nvSpPr>
+        <p:spPr>
+          <a:xfrm rot="420000">
+            <a:off x="3485793" y="1199517"/>
+            <a:ext cx="4617720" cy="3931920"/>
+          </a:xfrm>
+          <a:prstGeom prst="rect">
+            <a:avLst/>
+          </a:prstGeom>
           <a:solidFill>
             <a:schemeClr val="bg2"/>
           </a:solidFill>
-          <a:ln w="76200">
+          <a:ln w="3000" cap="rnd">
             <a:solidFill>
-              <a:srgbClr val="FFFFFF"/>
+              <a:srgbClr val="C0C0C0"/>
             </a:solidFill>
-            <a:miter lim="800000"/>
+            <a:round/>
           </a:ln>
-          <a:effectLst>
-            <a:outerShdw blurRad="50800" dist="12700" dir="5400000" algn="t" rotWithShape="0">
-              <a:prstClr val="black">
-                <a:alpha val="59000"/>
-              </a:prstClr>
-            </a:outerShdw>
-          </a:effectLst>
+          <a:effectLst/>
         </p:spPr>
         <p:txBody>
           <a:bodyPr/>
@@ -3197,179 +3188,269 @@
               <a:buNone/>
               <a:defRPr sz="3200"/>
             </a:lvl1pPr>
-            <a:lvl2pPr marL="457200" indent="0">
-              <a:buNone/>
-              <a:defRPr sz="2800"/>
-            </a:lvl2pPr>
-            <a:lvl3pPr marL="914400" indent="0">
-              <a:buNone/>
-              <a:defRPr sz="2400"/>
-            </a:lvl3pPr>
-            <a:lvl4pPr marL="1371600" indent="0">
-              <a:buNone/>
-              <a:defRPr sz="2000"/>
-            </a:lvl4pPr>
-            <a:lvl5pPr marL="1828800" indent="0">
-              <a:buNone/>
-              <a:defRPr sz="2000"/>
-            </a:lvl5pPr>
-            <a:lvl6pPr marL="2286000" indent="0">
-              <a:buNone/>
-              <a:defRPr sz="2000"/>
-            </a:lvl6pPr>
-            <a:lvl7pPr marL="2743200" indent="0">
-              <a:buNone/>
-              <a:defRPr sz="2000"/>
-            </a:lvl7pPr>
-            <a:lvl8pPr marL="3200400" indent="0">
-              <a:buNone/>
-              <a:defRPr sz="2000"/>
-            </a:lvl8pPr>
-            <a:lvl9pPr marL="3657600" indent="0">
-              <a:buNone/>
-              <a:defRPr sz="2000"/>
-            </a:lvl9pPr>
           </a:lstStyle>
           <a:p>
             <a:r>
-              <a:rPr lang="fr-FR" smtClean="0"/>
+              <a:rPr kumimoji="0" lang="fr-FR" smtClean="0"/>
               <a:t>Cliquez sur l'icône pour ajouter une image</a:t>
             </a:r>
-            <a:endParaRPr lang="en-US" dirty="0"/>
-          </a:p>
-        </p:txBody>
-      </p:sp>
-      <p:sp>
-        <p:nvSpPr>
-          <p:cNvPr id="4" name="Text Placeholder 3"/>
-          <p:cNvSpPr>
-            <a:spLocks noGrp="1"/>
-          </p:cNvSpPr>
-          <p:nvPr>
-            <p:ph type="body" sz="half" idx="2"/>
-          </p:nvPr>
-        </p:nvSpPr>
-        <p:spPr>
-          <a:xfrm>
-            <a:off x="457200" y="2133600"/>
-            <a:ext cx="2139696" cy="4242816"/>
+            <a:endParaRPr kumimoji="0" lang="en-US" dirty="0"/>
+          </a:p>
+        </p:txBody>
+      </p:sp>
+      <p:sp>
+        <p:nvSpPr>
+          <p:cNvPr id="10" name="Freeform 9"/>
+          <p:cNvSpPr>
+            <a:spLocks/>
+          </p:cNvSpPr>
+          <p:nvPr/>
+        </p:nvSpPr>
+        <p:spPr bwMode="auto">
+          <a:xfrm flipV="1">
+            <a:off x="-9525" y="5816600"/>
+            <a:ext cx="9163050" cy="1041400"/>
           </a:xfrm>
+          <a:custGeom>
+            <a:avLst>
+              <a:gd name="A1" fmla="val 0"/>
+              <a:gd name="A2" fmla="val 0"/>
+              <a:gd name="A3" fmla="val 0"/>
+              <a:gd name="A4" fmla="val 0"/>
+              <a:gd name="A5" fmla="val 0"/>
+              <a:gd name="A6" fmla="val 0"/>
+              <a:gd name="A7" fmla="val 0"/>
+              <a:gd name="A8" fmla="val 0"/>
+            </a:avLst>
+            <a:gdLst/>
+            <a:ahLst/>
+            <a:cxnLst>
+              <a:cxn ang="0">
+                <a:pos x="6" y="2"/>
+              </a:cxn>
+              <a:cxn ang="0">
+                <a:pos x="2542" y="0"/>
+              </a:cxn>
+              <a:cxn ang="0">
+                <a:pos x="4374" y="367"/>
+              </a:cxn>
+              <a:cxn ang="0">
+                <a:pos x="5766" y="55"/>
+              </a:cxn>
+              <a:cxn ang="0">
+                <a:pos x="5772" y="213"/>
+              </a:cxn>
+              <a:cxn ang="0">
+                <a:pos x="4302" y="439"/>
+              </a:cxn>
+              <a:cxn ang="0">
+                <a:pos x="1488" y="201"/>
+              </a:cxn>
+              <a:cxn ang="0">
+                <a:pos x="0" y="656"/>
+              </a:cxn>
+              <a:cxn ang="0">
+                <a:pos x="6" y="2"/>
+              </a:cxn>
+            </a:cxnLst>
+            <a:rect l="0" t="0" r="0" b="0"/>
+            <a:pathLst>
+              <a:path w="5772" h="656">
+                <a:moveTo>
+                  <a:pt x="6" y="2"/>
+                </a:moveTo>
+                <a:lnTo>
+                  <a:pt x="2542" y="0"/>
+                </a:lnTo>
+                <a:cubicBezTo>
+                  <a:pt x="2746" y="101"/>
+                  <a:pt x="3828" y="367"/>
+                  <a:pt x="4374" y="367"/>
+                </a:cubicBezTo>
+                <a:cubicBezTo>
+                  <a:pt x="4920" y="367"/>
+                  <a:pt x="5526" y="152"/>
+                  <a:pt x="5766" y="55"/>
+                </a:cubicBezTo>
+                <a:lnTo>
+                  <a:pt x="5772" y="213"/>
+                </a:lnTo>
+                <a:cubicBezTo>
+                  <a:pt x="5670" y="257"/>
+                  <a:pt x="5016" y="441"/>
+                  <a:pt x="4302" y="439"/>
+                </a:cubicBezTo>
+                <a:cubicBezTo>
+                  <a:pt x="3588" y="437"/>
+                  <a:pt x="2205" y="165"/>
+                  <a:pt x="1488" y="201"/>
+                </a:cubicBezTo>
+                <a:cubicBezTo>
+                  <a:pt x="750" y="209"/>
+                  <a:pt x="270" y="482"/>
+                  <a:pt x="0" y="656"/>
+                </a:cubicBezTo>
+                <a:lnTo>
+                  <a:pt x="6" y="2"/>
+                </a:lnTo>
+                <a:close/>
+              </a:path>
+            </a:pathLst>
+          </a:custGeom>
+          <a:gradFill>
+            <a:gsLst>
+              <a:gs pos="0">
+                <a:schemeClr val="accent2">
+                  <a:shade val="50000"/>
+                  <a:alpha val="45000"/>
+                  <a:satMod val="120000"/>
+                </a:schemeClr>
+              </a:gs>
+              <a:gs pos="100000">
+                <a:schemeClr val="accent3">
+                  <a:shade val="80000"/>
+                  <a:alpha val="55000"/>
+                  <a:satMod val="155000"/>
+                </a:schemeClr>
+              </a:gs>
+            </a:gsLst>
+            <a:lin ang="5400000" scaled="1"/>
+          </a:gradFill>
+          <a:ln w="9525" cap="flat" cmpd="sng" algn="ctr">
+            <a:noFill/>
+            <a:prstDash val="solid"/>
+            <a:round/>
+            <a:headEnd type="none" w="med" len="med"/>
+            <a:tailEnd type="none" w="med" len="med"/>
+          </a:ln>
+          <a:effectLst/>
         </p:spPr>
         <p:txBody>
-          <a:bodyPr/>
-          <a:lstStyle>
-            <a:lvl1pPr marL="0" indent="0">
-              <a:buNone/>
-              <a:defRPr sz="1400"/>
-            </a:lvl1pPr>
-            <a:lvl2pPr marL="457200" indent="0">
-              <a:buNone/>
-              <a:defRPr sz="1200"/>
-            </a:lvl2pPr>
-            <a:lvl3pPr marL="914400" indent="0">
-              <a:buNone/>
-              <a:defRPr sz="1000"/>
-            </a:lvl3pPr>
-            <a:lvl4pPr marL="1371600" indent="0">
-              <a:buNone/>
-              <a:defRPr sz="900"/>
-            </a:lvl4pPr>
-            <a:lvl5pPr marL="1828800" indent="0">
-              <a:buNone/>
-              <a:defRPr sz="900"/>
-            </a:lvl5pPr>
-            <a:lvl6pPr marL="2286000" indent="0">
-              <a:buNone/>
-              <a:defRPr sz="900"/>
-            </a:lvl6pPr>
-            <a:lvl7pPr marL="2743200" indent="0">
-              <a:buNone/>
-              <a:defRPr sz="900"/>
-            </a:lvl7pPr>
-            <a:lvl8pPr marL="3200400" indent="0">
-              <a:buNone/>
-              <a:defRPr sz="900"/>
-            </a:lvl8pPr>
-            <a:lvl9pPr marL="3657600" indent="0">
-              <a:buNone/>
-              <a:defRPr sz="900"/>
-            </a:lvl9pPr>
-          </a:lstStyle>
-          <a:p>
-            <a:pPr lvl="0"/>
-            <a:r>
-              <a:rPr lang="fr-FR" smtClean="0"/>
-              <a:t>Modifiez les styles du texte du masque</a:t>
-            </a:r>
-          </a:p>
-        </p:txBody>
-      </p:sp>
-      <p:sp>
-        <p:nvSpPr>
-          <p:cNvPr id="5" name="Date Placeholder 4"/>
-          <p:cNvSpPr>
-            <a:spLocks noGrp="1"/>
-          </p:cNvSpPr>
-          <p:nvPr>
-            <p:ph type="dt" sz="half" idx="10"/>
-          </p:nvPr>
-        </p:nvSpPr>
-        <p:spPr/>
-        <p:txBody>
-          <a:bodyPr/>
-          <a:lstStyle/>
-          <a:p>
-            <a:fld id="{58F7BE53-22F2-4A87-A85C-F4A1E05106AE}" type="datetime1">
-              <a:rPr lang="fr-CH" smtClean="0"/>
-              <a:t>27.05.2015</a:t>
-            </a:fld>
-            <a:endParaRPr lang="fr-CH"/>
-          </a:p>
-        </p:txBody>
-      </p:sp>
-      <p:sp>
-        <p:nvSpPr>
-          <p:cNvPr id="6" name="Footer Placeholder 5"/>
-          <p:cNvSpPr>
-            <a:spLocks noGrp="1"/>
-          </p:cNvSpPr>
-          <p:nvPr>
-            <p:ph type="ftr" sz="quarter" idx="11"/>
-          </p:nvPr>
-        </p:nvSpPr>
-        <p:spPr/>
-        <p:txBody>
-          <a:bodyPr/>
-          <a:lstStyle/>
-          <a:p>
-            <a:r>
-              <a:rPr lang="en-US" smtClean="0"/>
-              <a:t>Devaud Alan - OneWay Tickets - TPI 2015</a:t>
-            </a:r>
-            <a:endParaRPr lang="fr-CH"/>
-          </a:p>
-        </p:txBody>
-      </p:sp>
-      <p:sp>
-        <p:nvSpPr>
-          <p:cNvPr id="7" name="Slide Number Placeholder 6"/>
-          <p:cNvSpPr>
-            <a:spLocks noGrp="1"/>
-          </p:cNvSpPr>
-          <p:nvPr>
-            <p:ph type="sldNum" sz="quarter" idx="12"/>
-          </p:nvPr>
-        </p:nvSpPr>
-        <p:spPr/>
-        <p:txBody>
-          <a:bodyPr/>
-          <a:lstStyle/>
-          <a:p>
-            <a:fld id="{9B457A66-229B-4E85-8F25-C95F219204B5}" type="slidenum">
-              <a:rPr lang="fr-CH" smtClean="0"/>
-              <a:t>‹N°›</a:t>
-            </a:fld>
-            <a:endParaRPr lang="fr-CH"/>
+          <a:bodyPr vert="horz" wrap="square" lIns="91440" tIns="45720" rIns="91440" bIns="45720" anchor="t" compatLnSpc="1"/>
+          <a:lstStyle/>
+          <a:p>
+            <a:pPr marL="0" algn="l" rtl="0" eaLnBrk="1" latinLnBrk="0" hangingPunct="1"/>
+            <a:endParaRPr kumimoji="0" lang="en-US">
+              <a:solidFill>
+                <a:schemeClr val="tx1"/>
+              </a:solidFill>
+              <a:latin typeface="+mn-lt"/>
+              <a:ea typeface="+mn-ea"/>
+              <a:cs typeface="+mn-cs"/>
+            </a:endParaRPr>
+          </a:p>
+        </p:txBody>
+      </p:sp>
+      <p:sp>
+        <p:nvSpPr>
+          <p:cNvPr id="11" name="Freeform 10"/>
+          <p:cNvSpPr>
+            <a:spLocks/>
+          </p:cNvSpPr>
+          <p:nvPr/>
+        </p:nvSpPr>
+        <p:spPr bwMode="auto">
+          <a:xfrm flipV="1">
+            <a:off x="4381500" y="6219825"/>
+            <a:ext cx="4762500" cy="638175"/>
+          </a:xfrm>
+          <a:custGeom>
+            <a:avLst>
+              <a:gd name="A1" fmla="val 0"/>
+              <a:gd name="A2" fmla="val 0"/>
+              <a:gd name="A3" fmla="val 0"/>
+              <a:gd name="A4" fmla="val 0"/>
+              <a:gd name="A5" fmla="val 0"/>
+              <a:gd name="A6" fmla="val 0"/>
+              <a:gd name="A7" fmla="val 0"/>
+              <a:gd name="A8" fmla="val 0"/>
+            </a:avLst>
+            <a:gdLst/>
+            <a:ahLst/>
+            <a:cxnLst>
+              <a:cxn ang="0">
+                <a:pos x="0" y="0"/>
+              </a:cxn>
+              <a:cxn ang="0">
+                <a:pos x="1668" y="564"/>
+              </a:cxn>
+              <a:cxn ang="0">
+                <a:pos x="3000" y="186"/>
+              </a:cxn>
+              <a:cxn ang="0">
+                <a:pos x="3000" y="6"/>
+              </a:cxn>
+              <a:cxn ang="0">
+                <a:pos x="0" y="0"/>
+              </a:cxn>
+            </a:cxnLst>
+            <a:rect l="0" t="0" r="0" b="0"/>
+            <a:pathLst>
+              <a:path w="3000" h="595">
+                <a:moveTo>
+                  <a:pt x="0" y="0"/>
+                </a:moveTo>
+                <a:cubicBezTo>
+                  <a:pt x="174" y="102"/>
+                  <a:pt x="1168" y="533"/>
+                  <a:pt x="1668" y="564"/>
+                </a:cubicBezTo>
+                <a:cubicBezTo>
+                  <a:pt x="2168" y="595"/>
+                  <a:pt x="2778" y="279"/>
+                  <a:pt x="3000" y="186"/>
+                </a:cubicBezTo>
+                <a:lnTo>
+                  <a:pt x="3000" y="6"/>
+                </a:lnTo>
+                <a:lnTo>
+                  <a:pt x="0" y="0"/>
+                </a:lnTo>
+                <a:close/>
+              </a:path>
+            </a:pathLst>
+          </a:custGeom>
+          <a:gradFill>
+            <a:gsLst>
+              <a:gs pos="0">
+                <a:schemeClr val="accent3">
+                  <a:shade val="50000"/>
+                  <a:alpha val="30000"/>
+                  <a:satMod val="130000"/>
+                </a:schemeClr>
+              </a:gs>
+              <a:gs pos="80000">
+                <a:schemeClr val="accent2">
+                  <a:shade val="75000"/>
+                  <a:alpha val="45000"/>
+                  <a:satMod val="140000"/>
+                </a:schemeClr>
+              </a:gs>
+            </a:gsLst>
+            <a:lin ang="5400000" scaled="1"/>
+          </a:gradFill>
+          <a:ln w="9525" cap="flat" cmpd="sng" algn="ctr">
+            <a:noFill/>
+            <a:prstDash val="solid"/>
+            <a:round/>
+            <a:headEnd type="none" w="med" len="med"/>
+            <a:tailEnd type="none" w="med" len="med"/>
+          </a:ln>
+          <a:effectLst/>
+        </p:spPr>
+        <p:txBody>
+          <a:bodyPr vert="horz" wrap="square" lIns="91440" tIns="45720" rIns="91440" bIns="45720" anchor="t" compatLnSpc="1"/>
+          <a:lstStyle/>
+          <a:p>
+            <a:pPr marL="0" algn="l" rtl="0" eaLnBrk="1" latinLnBrk="0" hangingPunct="1"/>
+            <a:endParaRPr kumimoji="0" lang="en-US">
+              <a:solidFill>
+                <a:schemeClr val="tx1"/>
+              </a:solidFill>
+              <a:latin typeface="+mn-lt"/>
+              <a:ea typeface="+mn-ea"/>
+              <a:cs typeface="+mn-cs"/>
+            </a:endParaRPr>
           </a:p>
         </p:txBody>
       </p:sp>
@@ -3385,7 +3466,7 @@
 <p:sldMaster xmlns:a="http://schemas.openxmlformats.org/drawingml/2006/main" xmlns:r="http://schemas.openxmlformats.org/officeDocument/2006/relationships" xmlns:p="http://schemas.openxmlformats.org/presentationml/2006/main">
   <p:cSld>
     <p:bg>
-      <p:bgRef idx="1001">
+      <p:bgRef idx="1003">
         <a:schemeClr val="bg1"/>
       </p:bgRef>
     </p:bg>
@@ -3405,86 +3486,296 @@
       </p:grpSpPr>
       <p:sp>
         <p:nvSpPr>
-          <p:cNvPr id="10" name="Rectangle 9"/>
-          <p:cNvSpPr/>
+          <p:cNvPr id="7" name="Freeform 6"/>
+          <p:cNvSpPr>
+            <a:spLocks/>
+          </p:cNvSpPr>
           <p:nvPr/>
+        </p:nvSpPr>
+        <p:spPr bwMode="auto">
+          <a:xfrm>
+            <a:off x="-9525" y="-7144"/>
+            <a:ext cx="9163050" cy="1041400"/>
+          </a:xfrm>
+          <a:custGeom>
+            <a:avLst>
+              <a:gd name="A1" fmla="val 0"/>
+              <a:gd name="A2" fmla="val 0"/>
+              <a:gd name="A3" fmla="val 0"/>
+              <a:gd name="A4" fmla="val 0"/>
+              <a:gd name="A5" fmla="val 0"/>
+              <a:gd name="A6" fmla="val 0"/>
+              <a:gd name="A7" fmla="val 0"/>
+              <a:gd name="A8" fmla="val 0"/>
+            </a:avLst>
+            <a:gdLst/>
+            <a:ahLst/>
+            <a:cxnLst>
+              <a:cxn ang="0">
+                <a:pos x="6" y="2"/>
+              </a:cxn>
+              <a:cxn ang="0">
+                <a:pos x="2542" y="0"/>
+              </a:cxn>
+              <a:cxn ang="0">
+                <a:pos x="4374" y="367"/>
+              </a:cxn>
+              <a:cxn ang="0">
+                <a:pos x="5766" y="55"/>
+              </a:cxn>
+              <a:cxn ang="0">
+                <a:pos x="5772" y="213"/>
+              </a:cxn>
+              <a:cxn ang="0">
+                <a:pos x="4302" y="439"/>
+              </a:cxn>
+              <a:cxn ang="0">
+                <a:pos x="1488" y="201"/>
+              </a:cxn>
+              <a:cxn ang="0">
+                <a:pos x="0" y="656"/>
+              </a:cxn>
+              <a:cxn ang="0">
+                <a:pos x="6" y="2"/>
+              </a:cxn>
+            </a:cxnLst>
+            <a:rect l="0" t="0" r="0" b="0"/>
+            <a:pathLst>
+              <a:path w="5772" h="656">
+                <a:moveTo>
+                  <a:pt x="6" y="2"/>
+                </a:moveTo>
+                <a:lnTo>
+                  <a:pt x="2542" y="0"/>
+                </a:lnTo>
+                <a:cubicBezTo>
+                  <a:pt x="2746" y="101"/>
+                  <a:pt x="3828" y="367"/>
+                  <a:pt x="4374" y="367"/>
+                </a:cubicBezTo>
+                <a:cubicBezTo>
+                  <a:pt x="4920" y="367"/>
+                  <a:pt x="5526" y="152"/>
+                  <a:pt x="5766" y="55"/>
+                </a:cubicBezTo>
+                <a:lnTo>
+                  <a:pt x="5772" y="213"/>
+                </a:lnTo>
+                <a:cubicBezTo>
+                  <a:pt x="5670" y="257"/>
+                  <a:pt x="5016" y="441"/>
+                  <a:pt x="4302" y="439"/>
+                </a:cubicBezTo>
+                <a:cubicBezTo>
+                  <a:pt x="3588" y="437"/>
+                  <a:pt x="2205" y="165"/>
+                  <a:pt x="1488" y="201"/>
+                </a:cubicBezTo>
+                <a:cubicBezTo>
+                  <a:pt x="750" y="209"/>
+                  <a:pt x="270" y="482"/>
+                  <a:pt x="0" y="656"/>
+                </a:cubicBezTo>
+                <a:lnTo>
+                  <a:pt x="6" y="2"/>
+                </a:lnTo>
+                <a:close/>
+              </a:path>
+            </a:pathLst>
+          </a:custGeom>
+          <a:gradFill>
+            <a:gsLst>
+              <a:gs pos="0">
+                <a:schemeClr val="accent2">
+                  <a:shade val="50000"/>
+                  <a:alpha val="45000"/>
+                  <a:satMod val="120000"/>
+                </a:schemeClr>
+              </a:gs>
+              <a:gs pos="100000">
+                <a:schemeClr val="accent3">
+                  <a:shade val="80000"/>
+                  <a:alpha val="55000"/>
+                  <a:satMod val="155000"/>
+                </a:schemeClr>
+              </a:gs>
+            </a:gsLst>
+            <a:lin ang="5400000" scaled="1"/>
+          </a:gradFill>
+          <a:ln w="9525" cap="flat" cmpd="sng" algn="ctr">
+            <a:noFill/>
+            <a:prstDash val="solid"/>
+            <a:round/>
+            <a:headEnd type="none" w="med" len="med"/>
+            <a:tailEnd type="none" w="med" len="med"/>
+          </a:ln>
+          <a:effectLst/>
+        </p:spPr>
+        <p:txBody>
+          <a:bodyPr vert="horz" wrap="square" lIns="91440" tIns="45720" rIns="91440" bIns="45720" anchor="t" compatLnSpc="1"/>
+          <a:lstStyle/>
+          <a:p>
+            <a:pPr marL="0" algn="l" rtl="0" eaLnBrk="1" latinLnBrk="0" hangingPunct="1"/>
+            <a:endParaRPr kumimoji="0" lang="en-US">
+              <a:solidFill>
+                <a:schemeClr val="tx1"/>
+              </a:solidFill>
+              <a:latin typeface="+mn-lt"/>
+              <a:ea typeface="+mn-ea"/>
+              <a:cs typeface="+mn-cs"/>
+            </a:endParaRPr>
+          </a:p>
+        </p:txBody>
+      </p:sp>
+      <p:sp>
+        <p:nvSpPr>
+          <p:cNvPr id="8" name="Freeform 7"/>
+          <p:cNvSpPr>
+            <a:spLocks/>
+          </p:cNvSpPr>
+          <p:nvPr/>
+        </p:nvSpPr>
+        <p:spPr bwMode="auto">
+          <a:xfrm>
+            <a:off x="4381500" y="-7144"/>
+            <a:ext cx="4762500" cy="638175"/>
+          </a:xfrm>
+          <a:custGeom>
+            <a:avLst>
+              <a:gd name="A1" fmla="val 0"/>
+              <a:gd name="A2" fmla="val 0"/>
+              <a:gd name="A3" fmla="val 0"/>
+              <a:gd name="A4" fmla="val 0"/>
+              <a:gd name="A5" fmla="val 0"/>
+              <a:gd name="A6" fmla="val 0"/>
+              <a:gd name="A7" fmla="val 0"/>
+              <a:gd name="A8" fmla="val 0"/>
+            </a:avLst>
+            <a:gdLst/>
+            <a:ahLst/>
+            <a:cxnLst>
+              <a:cxn ang="0">
+                <a:pos x="0" y="0"/>
+              </a:cxn>
+              <a:cxn ang="0">
+                <a:pos x="1668" y="564"/>
+              </a:cxn>
+              <a:cxn ang="0">
+                <a:pos x="3000" y="186"/>
+              </a:cxn>
+              <a:cxn ang="0">
+                <a:pos x="3000" y="6"/>
+              </a:cxn>
+              <a:cxn ang="0">
+                <a:pos x="0" y="0"/>
+              </a:cxn>
+            </a:cxnLst>
+            <a:rect l="0" t="0" r="0" b="0"/>
+            <a:pathLst>
+              <a:path w="3000" h="595">
+                <a:moveTo>
+                  <a:pt x="0" y="0"/>
+                </a:moveTo>
+                <a:cubicBezTo>
+                  <a:pt x="174" y="102"/>
+                  <a:pt x="1168" y="533"/>
+                  <a:pt x="1668" y="564"/>
+                </a:cubicBezTo>
+                <a:cubicBezTo>
+                  <a:pt x="2168" y="595"/>
+                  <a:pt x="2778" y="279"/>
+                  <a:pt x="3000" y="186"/>
+                </a:cubicBezTo>
+                <a:lnTo>
+                  <a:pt x="3000" y="6"/>
+                </a:lnTo>
+                <a:lnTo>
+                  <a:pt x="0" y="0"/>
+                </a:lnTo>
+                <a:close/>
+              </a:path>
+            </a:pathLst>
+          </a:custGeom>
+          <a:gradFill>
+            <a:gsLst>
+              <a:gs pos="0">
+                <a:schemeClr val="accent3">
+                  <a:shade val="50000"/>
+                  <a:alpha val="30000"/>
+                  <a:satMod val="130000"/>
+                </a:schemeClr>
+              </a:gs>
+              <a:gs pos="80000">
+                <a:schemeClr val="accent2">
+                  <a:shade val="75000"/>
+                  <a:alpha val="45000"/>
+                  <a:satMod val="140000"/>
+                </a:schemeClr>
+              </a:gs>
+            </a:gsLst>
+            <a:lin ang="5400000" scaled="1"/>
+          </a:gradFill>
+          <a:ln w="9525" cap="flat" cmpd="sng" algn="ctr">
+            <a:noFill/>
+            <a:prstDash val="solid"/>
+            <a:round/>
+            <a:headEnd type="none" w="med" len="med"/>
+            <a:tailEnd type="none" w="med" len="med"/>
+          </a:ln>
+          <a:effectLst/>
+        </p:spPr>
+        <p:txBody>
+          <a:bodyPr vert="horz" wrap="square" lIns="91440" tIns="45720" rIns="91440" bIns="45720" anchor="t" compatLnSpc="1"/>
+          <a:lstStyle/>
+          <a:p>
+            <a:pPr marL="0" algn="l" rtl="0" eaLnBrk="1" latinLnBrk="0" hangingPunct="1"/>
+            <a:endParaRPr kumimoji="0" lang="en-US">
+              <a:solidFill>
+                <a:schemeClr val="tx1"/>
+              </a:solidFill>
+              <a:latin typeface="+mn-lt"/>
+              <a:ea typeface="+mn-ea"/>
+              <a:cs typeface="+mn-cs"/>
+            </a:endParaRPr>
+          </a:p>
+        </p:txBody>
+      </p:sp>
+      <p:sp>
+        <p:nvSpPr>
+          <p:cNvPr id="9" name="Title Placeholder 8"/>
+          <p:cNvSpPr>
+            <a:spLocks noGrp="1"/>
+          </p:cNvSpPr>
+          <p:nvPr>
+            <p:ph type="title"/>
+          </p:nvPr>
         </p:nvSpPr>
         <p:spPr>
           <a:xfrm>
-            <a:off x="0" y="220786"/>
-            <a:ext cx="9144000" cy="228600"/>
-          </a:xfrm>
-          <a:prstGeom prst="rect">
-            <a:avLst/>
-          </a:prstGeom>
-          <a:solidFill>
-            <a:srgbClr val="FFFFFF"/>
-          </a:solidFill>
-          <a:ln>
-            <a:noFill/>
-          </a:ln>
-        </p:spPr>
-        <p:style>
-          <a:lnRef idx="2">
-            <a:schemeClr val="accent1">
-              <a:shade val="50000"/>
-            </a:schemeClr>
-          </a:lnRef>
-          <a:fillRef idx="1">
-            <a:schemeClr val="accent1"/>
-          </a:fillRef>
-          <a:effectRef idx="0">
-            <a:schemeClr val="accent1"/>
-          </a:effectRef>
-          <a:fontRef idx="minor">
-            <a:schemeClr val="lt1"/>
-          </a:fontRef>
-        </p:style>
-        <p:txBody>
-          <a:bodyPr rtlCol="0" anchor="ctr"/>
-          <a:lstStyle/>
-          <a:p>
-            <a:pPr algn="ctr"/>
-            <a:endParaRPr lang="en-US"/>
-          </a:p>
-        </p:txBody>
-      </p:sp>
-      <p:sp>
-        <p:nvSpPr>
-          <p:cNvPr id="2" name="Title Placeholder 1"/>
-          <p:cNvSpPr>
-            <a:spLocks noGrp="1"/>
-          </p:cNvSpPr>
-          <p:nvPr>
-            <p:ph type="title"/>
-          </p:nvPr>
-        </p:nvSpPr>
-        <p:spPr>
-          <a:xfrm>
-            <a:off x="457200" y="533400"/>
-            <a:ext cx="8229600" cy="990600"/>
+            <a:off x="457200" y="704088"/>
+            <a:ext cx="8229600" cy="1143000"/>
           </a:xfrm>
           <a:prstGeom prst="rect">
             <a:avLst/>
           </a:prstGeom>
         </p:spPr>
         <p:txBody>
-          <a:bodyPr vert="horz" lIns="91440" tIns="45720" rIns="91440" bIns="45720" rtlCol="0" anchor="ctr">
+          <a:bodyPr vert="horz" lIns="0" rIns="0" bIns="0" anchor="b">
             <a:normAutofit/>
           </a:bodyPr>
           <a:lstStyle/>
           <a:p>
             <a:r>
-              <a:rPr lang="fr-FR" smtClean="0"/>
+              <a:rPr kumimoji="0" lang="fr-FR" smtClean="0"/>
               <a:t>Modifiez le style du titre</a:t>
             </a:r>
-            <a:endParaRPr lang="en-US" dirty="0"/>
-          </a:p>
-        </p:txBody>
-      </p:sp>
-      <p:sp>
-        <p:nvSpPr>
-          <p:cNvPr id="3" name="Text Placeholder 2"/>
+            <a:endParaRPr kumimoji="0" lang="en-US"/>
+          </a:p>
+        </p:txBody>
+      </p:sp>
+      <p:sp>
+        <p:nvSpPr>
+          <p:cNvPr id="30" name="Text Placeholder 29"/>
           <p:cNvSpPr>
             <a:spLocks noGrp="1"/>
           </p:cNvSpPr>
@@ -3494,128 +3785,84 @@
         </p:nvSpPr>
         <p:spPr>
           <a:xfrm>
-            <a:off x="457200" y="1600200"/>
-            <a:ext cx="8229600" cy="4876800"/>
+            <a:off x="457200" y="1935480"/>
+            <a:ext cx="8229600" cy="4389120"/>
           </a:xfrm>
           <a:prstGeom prst="rect">
             <a:avLst/>
           </a:prstGeom>
         </p:spPr>
         <p:txBody>
-          <a:bodyPr vert="horz" lIns="91440" tIns="45720" rIns="91440" bIns="45720" rtlCol="0">
+          <a:bodyPr vert="horz">
             <a:normAutofit/>
           </a:bodyPr>
           <a:lstStyle/>
           <a:p>
-            <a:pPr lvl="0"/>
-            <a:r>
-              <a:rPr lang="fr-FR" smtClean="0"/>
+            <a:pPr lvl="0" eaLnBrk="1" latinLnBrk="0" hangingPunct="1"/>
+            <a:r>
+              <a:rPr kumimoji="0" lang="fr-FR" smtClean="0"/>
               <a:t>Modifiez les styles du texte du masque</a:t>
             </a:r>
           </a:p>
           <a:p>
-            <a:pPr lvl="1"/>
-            <a:r>
-              <a:rPr lang="fr-FR" smtClean="0"/>
+            <a:pPr lvl="1" eaLnBrk="1" latinLnBrk="0" hangingPunct="1"/>
+            <a:r>
+              <a:rPr kumimoji="0" lang="fr-FR" smtClean="0"/>
               <a:t>Deuxième niveau</a:t>
             </a:r>
           </a:p>
           <a:p>
-            <a:pPr lvl="2"/>
-            <a:r>
-              <a:rPr lang="fr-FR" smtClean="0"/>
+            <a:pPr lvl="2" eaLnBrk="1" latinLnBrk="0" hangingPunct="1"/>
+            <a:r>
+              <a:rPr kumimoji="0" lang="fr-FR" smtClean="0"/>
               <a:t>Troisième niveau</a:t>
             </a:r>
           </a:p>
           <a:p>
-            <a:pPr lvl="3"/>
-            <a:r>
-              <a:rPr lang="fr-FR" smtClean="0"/>
+            <a:pPr lvl="3" eaLnBrk="1" latinLnBrk="0" hangingPunct="1"/>
+            <a:r>
+              <a:rPr kumimoji="0" lang="fr-FR" smtClean="0"/>
               <a:t>Quatrième niveau</a:t>
             </a:r>
           </a:p>
           <a:p>
-            <a:pPr lvl="4"/>
-            <a:r>
-              <a:rPr lang="fr-FR" smtClean="0"/>
+            <a:pPr lvl="4" eaLnBrk="1" latinLnBrk="0" hangingPunct="1"/>
+            <a:r>
+              <a:rPr kumimoji="0" lang="fr-FR" smtClean="0"/>
               <a:t>Cinquième niveau</a:t>
             </a:r>
-            <a:endParaRPr lang="en-US" dirty="0"/>
-          </a:p>
-        </p:txBody>
-      </p:sp>
-      <p:sp>
-        <p:nvSpPr>
-          <p:cNvPr id="7" name="Rectangle 6"/>
-          <p:cNvSpPr/>
-          <p:nvPr/>
+            <a:endParaRPr kumimoji="0" lang="en-US"/>
+          </a:p>
+        </p:txBody>
+      </p:sp>
+      <p:sp>
+        <p:nvSpPr>
+          <p:cNvPr id="10" name="Date Placeholder 9"/>
+          <p:cNvSpPr>
+            <a:spLocks noGrp="1"/>
+          </p:cNvSpPr>
+          <p:nvPr>
+            <p:ph type="dt" sz="half" idx="2"/>
+          </p:nvPr>
         </p:nvSpPr>
         <p:spPr>
           <a:xfrm>
-            <a:off x="0" y="0"/>
-            <a:ext cx="9144000" cy="365760"/>
-          </a:xfrm>
-          <a:prstGeom prst="rect">
-            <a:avLst/>
-          </a:prstGeom>
-          <a:solidFill>
-            <a:schemeClr val="accent1"/>
-          </a:solidFill>
-          <a:ln>
-            <a:noFill/>
-          </a:ln>
-        </p:spPr>
-        <p:style>
-          <a:lnRef idx="2">
-            <a:schemeClr val="accent1">
-              <a:shade val="50000"/>
-            </a:schemeClr>
-          </a:lnRef>
-          <a:fillRef idx="1">
-            <a:schemeClr val="accent1"/>
-          </a:fillRef>
-          <a:effectRef idx="0">
-            <a:schemeClr val="accent1"/>
-          </a:effectRef>
-          <a:fontRef idx="minor">
-            <a:schemeClr val="lt1"/>
-          </a:fontRef>
-        </p:style>
-        <p:txBody>
-          <a:bodyPr rtlCol="0" anchor="ctr"/>
-          <a:lstStyle/>
-          <a:p>
-            <a:pPr algn="ctr"/>
-            <a:endParaRPr lang="en-US"/>
-          </a:p>
-        </p:txBody>
-      </p:sp>
-      <p:sp>
-        <p:nvSpPr>
-          <p:cNvPr id="4" name="Date Placeholder 3"/>
-          <p:cNvSpPr>
-            <a:spLocks noGrp="1"/>
-          </p:cNvSpPr>
-          <p:nvPr>
-            <p:ph type="dt" sz="half" idx="2"/>
-          </p:nvPr>
-        </p:nvSpPr>
-        <p:spPr>
-          <a:xfrm>
-            <a:off x="457200" y="18288"/>
-            <a:ext cx="2895600" cy="329184"/>
+            <a:off x="457200" y="6356350"/>
+            <a:ext cx="2133600" cy="365125"/>
           </a:xfrm>
           <a:prstGeom prst="rect">
             <a:avLst/>
           </a:prstGeom>
         </p:spPr>
         <p:txBody>
-          <a:bodyPr vert="horz" lIns="91440" tIns="45720" rIns="91440" bIns="45720" rtlCol="0" anchor="ctr"/>
+          <a:bodyPr vert="horz" lIns="0" tIns="0" rIns="0" bIns="0" anchor="b"/>
           <a:lstStyle>
-            <a:lvl1pPr algn="l">
-              <a:defRPr sz="1200">
+            <a:lvl1pPr algn="l" eaLnBrk="1" latinLnBrk="0" hangingPunct="1">
+              <a:defRPr kumimoji="0" sz="1200">
                 <a:solidFill>
-                  <a:srgbClr val="FFFFFF"/>
+                  <a:schemeClr val="tx2">
+                    <a:shade val="90000"/>
+                  </a:schemeClr>
                 </a:solidFill>
               </a:defRPr>
             </a:lvl1pPr>
@@ -3631,7 +3878,7 @@
       </p:sp>
       <p:sp>
         <p:nvSpPr>
-          <p:cNvPr id="5" name="Footer Placeholder 4"/>
+          <p:cNvPr id="22" name="Footer Placeholder 21"/>
           <p:cNvSpPr>
             <a:spLocks noGrp="1"/>
           </p:cNvSpPr>
@@ -3641,20 +3888,22 @@
         </p:nvSpPr>
         <p:spPr>
           <a:xfrm>
-            <a:off x="3429000" y="18288"/>
-            <a:ext cx="4114800" cy="329184"/>
+            <a:off x="2667000" y="6356350"/>
+            <a:ext cx="3352800" cy="365125"/>
           </a:xfrm>
           <a:prstGeom prst="rect">
             <a:avLst/>
           </a:prstGeom>
         </p:spPr>
         <p:txBody>
-          <a:bodyPr vert="horz" lIns="91440" tIns="45720" rIns="91440" bIns="45720" rtlCol="0" anchor="ctr"/>
+          <a:bodyPr vert="horz" lIns="0" tIns="0" rIns="0" bIns="0" anchor="b"/>
           <a:lstStyle>
-            <a:lvl1pPr algn="ctr">
-              <a:defRPr sz="1200">
+            <a:lvl1pPr algn="l" eaLnBrk="1" latinLnBrk="0" hangingPunct="1">
+              <a:defRPr kumimoji="0" sz="1200">
                 <a:solidFill>
-                  <a:srgbClr val="FFFFFF"/>
+                  <a:schemeClr val="tx2">
+                    <a:shade val="90000"/>
+                  </a:schemeClr>
                 </a:solidFill>
               </a:defRPr>
             </a:lvl1pPr>
@@ -3670,7 +3919,7 @@
       </p:sp>
       <p:sp>
         <p:nvSpPr>
-          <p:cNvPr id="6" name="Slide Number Placeholder 5"/>
+          <p:cNvPr id="18" name="Slide Number Placeholder 17"/>
           <p:cNvSpPr>
             <a:spLocks noGrp="1"/>
           </p:cNvSpPr>
@@ -3680,20 +3929,22 @@
         </p:nvSpPr>
         <p:spPr>
           <a:xfrm>
-            <a:off x="7620000" y="18288"/>
-            <a:ext cx="1066800" cy="329184"/>
+            <a:off x="7924800" y="6356350"/>
+            <a:ext cx="762000" cy="365125"/>
           </a:xfrm>
           <a:prstGeom prst="rect">
             <a:avLst/>
           </a:prstGeom>
         </p:spPr>
         <p:txBody>
-          <a:bodyPr vert="horz" lIns="91440" tIns="45720" rIns="91440" bIns="45720" rtlCol="0" anchor="ctr"/>
+          <a:bodyPr vert="horz" lIns="0" tIns="0" rIns="0" bIns="0" anchor="b"/>
           <a:lstStyle>
-            <a:lvl1pPr algn="l">
-              <a:defRPr sz="1400" b="1">
+            <a:lvl1pPr algn="r" eaLnBrk="1" latinLnBrk="0" hangingPunct="1">
+              <a:defRPr kumimoji="0" sz="1200">
                 <a:solidFill>
-                  <a:srgbClr val="FFFFFF"/>
+                  <a:schemeClr val="tx2">
+                    <a:shade val="90000"/>
+                  </a:schemeClr>
                 </a:solidFill>
               </a:defRPr>
             </a:lvl1pPr>
@@ -3707,34 +3958,252 @@
           </a:p>
         </p:txBody>
       </p:sp>
+      <p:grpSp>
+        <p:nvGrpSpPr>
+          <p:cNvPr id="2" name="Group 1"/>
+          <p:cNvGrpSpPr/>
+          <p:nvPr/>
+        </p:nvGrpSpPr>
+        <p:grpSpPr>
+          <a:xfrm>
+            <a:off x="-19017" y="202408"/>
+            <a:ext cx="9180548" cy="649224"/>
+            <a:chOff x="-19045" y="216550"/>
+            <a:chExt cx="9180548" cy="649224"/>
+          </a:xfrm>
+        </p:grpSpPr>
+        <p:sp>
+          <p:nvSpPr>
+            <p:cNvPr id="12" name="Freeform 11"/>
+            <p:cNvSpPr>
+              <a:spLocks/>
+            </p:cNvSpPr>
+            <p:nvPr/>
+          </p:nvSpPr>
+          <p:spPr bwMode="auto">
+            <a:xfrm rot="21435692">
+              <a:off x="-19045" y="216550"/>
+              <a:ext cx="9163050" cy="649224"/>
+            </a:xfrm>
+            <a:custGeom>
+              <a:avLst>
+                <a:gd name="A1" fmla="val 0"/>
+                <a:gd name="A2" fmla="val 0"/>
+                <a:gd name="A3" fmla="val 0"/>
+                <a:gd name="A4" fmla="val 0"/>
+                <a:gd name="A5" fmla="val 0"/>
+                <a:gd name="A6" fmla="val 0"/>
+                <a:gd name="A7" fmla="val 0"/>
+                <a:gd name="A8" fmla="val 0"/>
+              </a:avLst>
+              <a:gdLst/>
+              <a:ahLst/>
+              <a:cxnLst>
+                <a:cxn ang="0">
+                  <a:pos x="0" y="966"/>
+                </a:cxn>
+                <a:cxn ang="0">
+                  <a:pos x="1608" y="282"/>
+                </a:cxn>
+                <a:cxn ang="0">
+                  <a:pos x="4110" y="1008"/>
+                </a:cxn>
+                <a:cxn ang="0">
+                  <a:pos x="5772" y="0"/>
+                </a:cxn>
+              </a:cxnLst>
+              <a:rect l="0" t="0" r="0" b="0"/>
+              <a:pathLst>
+                <a:path w="5772" h="1055">
+                  <a:moveTo>
+                    <a:pt x="0" y="966"/>
+                  </a:moveTo>
+                  <a:cubicBezTo>
+                    <a:pt x="282" y="738"/>
+                    <a:pt x="923" y="275"/>
+                    <a:pt x="1608" y="282"/>
+                  </a:cubicBezTo>
+                  <a:cubicBezTo>
+                    <a:pt x="2293" y="289"/>
+                    <a:pt x="3416" y="1055"/>
+                    <a:pt x="4110" y="1008"/>
+                  </a:cubicBezTo>
+                  <a:cubicBezTo>
+                    <a:pt x="4804" y="961"/>
+                    <a:pt x="5426" y="210"/>
+                    <a:pt x="5772" y="0"/>
+                  </a:cubicBezTo>
+                </a:path>
+              </a:pathLst>
+            </a:custGeom>
+            <a:noFill/>
+            <a:ln w="10795" cap="flat" cmpd="sng" algn="ctr">
+              <a:gradFill>
+                <a:gsLst>
+                  <a:gs pos="74000">
+                    <a:schemeClr val="accent3">
+                      <a:shade val="75000"/>
+                    </a:schemeClr>
+                  </a:gs>
+                  <a:gs pos="86000">
+                    <a:schemeClr val="tx1">
+                      <a:alpha val="29000"/>
+                    </a:schemeClr>
+                  </a:gs>
+                  <a:gs pos="16000">
+                    <a:schemeClr val="accent2">
+                      <a:shade val="75000"/>
+                      <a:alpha val="56000"/>
+                    </a:schemeClr>
+                  </a:gs>
+                </a:gsLst>
+                <a:lin ang="5400000" scaled="1"/>
+              </a:gradFill>
+              <a:prstDash val="solid"/>
+              <a:round/>
+              <a:headEnd type="none" w="med" len="med"/>
+              <a:tailEnd type="none" w="med" len="med"/>
+            </a:ln>
+            <a:effectLst/>
+          </p:spPr>
+          <p:txBody>
+            <a:bodyPr vert="horz" wrap="square" lIns="91440" tIns="45720" rIns="91440" bIns="45720" anchor="t" compatLnSpc="1"/>
+            <a:lstStyle/>
+            <a:p>
+              <a:endParaRPr kumimoji="0" lang="en-US"/>
+            </a:p>
+          </p:txBody>
+        </p:sp>
+        <p:sp>
+          <p:nvSpPr>
+            <p:cNvPr id="13" name="Freeform 12"/>
+            <p:cNvSpPr>
+              <a:spLocks/>
+            </p:cNvSpPr>
+            <p:nvPr/>
+          </p:nvSpPr>
+          <p:spPr bwMode="auto">
+            <a:xfrm rot="21435692">
+              <a:off x="-14309" y="290003"/>
+              <a:ext cx="9175812" cy="530352"/>
+            </a:xfrm>
+            <a:custGeom>
+              <a:avLst>
+                <a:gd name="A1" fmla="val 0"/>
+                <a:gd name="A2" fmla="val 0"/>
+                <a:gd name="A3" fmla="val 0"/>
+                <a:gd name="A4" fmla="val 0"/>
+                <a:gd name="A5" fmla="val 0"/>
+                <a:gd name="A6" fmla="val 0"/>
+                <a:gd name="A7" fmla="val 0"/>
+                <a:gd name="A8" fmla="val 0"/>
+              </a:avLst>
+              <a:gdLst/>
+              <a:ahLst/>
+              <a:cxnLst>
+                <a:cxn ang="0">
+                  <a:pos x="0" y="732"/>
+                </a:cxn>
+                <a:cxn ang="0">
+                  <a:pos x="1638" y="228"/>
+                </a:cxn>
+                <a:cxn ang="0">
+                  <a:pos x="4122" y="816"/>
+                </a:cxn>
+                <a:cxn ang="0">
+                  <a:pos x="5766" y="0"/>
+                </a:cxn>
+              </a:cxnLst>
+              <a:rect l="0" t="0" r="0" b="0"/>
+              <a:pathLst>
+                <a:path w="5766" h="854">
+                  <a:moveTo>
+                    <a:pt x="0" y="732"/>
+                  </a:moveTo>
+                  <a:cubicBezTo>
+                    <a:pt x="273" y="647"/>
+                    <a:pt x="951" y="214"/>
+                    <a:pt x="1638" y="228"/>
+                  </a:cubicBezTo>
+                  <a:cubicBezTo>
+                    <a:pt x="2325" y="242"/>
+                    <a:pt x="3434" y="854"/>
+                    <a:pt x="4122" y="816"/>
+                  </a:cubicBezTo>
+                  <a:cubicBezTo>
+                    <a:pt x="4810" y="778"/>
+                    <a:pt x="5424" y="170"/>
+                    <a:pt x="5766" y="0"/>
+                  </a:cubicBezTo>
+                </a:path>
+              </a:pathLst>
+            </a:custGeom>
+            <a:noFill/>
+            <a:ln w="9525" cap="flat" cmpd="sng" algn="ctr">
+              <a:gradFill>
+                <a:gsLst>
+                  <a:gs pos="74000">
+                    <a:schemeClr val="accent4"/>
+                  </a:gs>
+                  <a:gs pos="44000">
+                    <a:schemeClr val="accent1"/>
+                  </a:gs>
+                  <a:gs pos="33000">
+                    <a:schemeClr val="accent2">
+                      <a:alpha val="56000"/>
+                    </a:schemeClr>
+                  </a:gs>
+                </a:gsLst>
+                <a:lin ang="5400000" scaled="1"/>
+              </a:gradFill>
+              <a:prstDash val="solid"/>
+              <a:round/>
+              <a:headEnd type="none" w="med" len="med"/>
+              <a:tailEnd type="none" w="med" len="med"/>
+            </a:ln>
+            <a:effectLst/>
+          </p:spPr>
+          <p:txBody>
+            <a:bodyPr vert="horz" wrap="square" lIns="91440" tIns="45720" rIns="91440" bIns="45720" anchor="t" compatLnSpc="1"/>
+            <a:lstStyle/>
+            <a:p>
+              <a:endParaRPr kumimoji="0" lang="en-US"/>
+            </a:p>
+          </p:txBody>
+        </p:sp>
+      </p:grpSp>
     </p:spTree>
   </p:cSld>
   <p:clrMap bg1="lt1" tx1="dk1" bg2="lt2" tx2="dk2" accent1="accent1" accent2="accent2" accent3="accent3" accent4="accent4" accent5="accent5" accent6="accent6" hlink="hlink" folHlink="folHlink"/>
   <p:sldLayoutIdLst>
-    <p:sldLayoutId id="2147483661" r:id="rId1"/>
-    <p:sldLayoutId id="2147483662" r:id="rId2"/>
-    <p:sldLayoutId id="2147483663" r:id="rId3"/>
-    <p:sldLayoutId id="2147483664" r:id="rId4"/>
-    <p:sldLayoutId id="2147483665" r:id="rId5"/>
-    <p:sldLayoutId id="2147483666" r:id="rId6"/>
-    <p:sldLayoutId id="2147483667" r:id="rId7"/>
-    <p:sldLayoutId id="2147483668" r:id="rId8"/>
-    <p:sldLayoutId id="2147483669" r:id="rId9"/>
-    <p:sldLayoutId id="2147483670" r:id="rId10"/>
-    <p:sldLayoutId id="2147483671" r:id="rId11"/>
+    <p:sldLayoutId id="2147483733" r:id="rId1"/>
+    <p:sldLayoutId id="2147483734" r:id="rId2"/>
+    <p:sldLayoutId id="2147483735" r:id="rId3"/>
+    <p:sldLayoutId id="2147483736" r:id="rId4"/>
+    <p:sldLayoutId id="2147483737" r:id="rId5"/>
+    <p:sldLayoutId id="2147483738" r:id="rId6"/>
+    <p:sldLayoutId id="2147483739" r:id="rId7"/>
+    <p:sldLayoutId id="2147483740" r:id="rId8"/>
+    <p:sldLayoutId id="2147483741" r:id="rId9"/>
+    <p:sldLayoutId id="2147483742" r:id="rId10"/>
+    <p:sldLayoutId id="2147483743" r:id="rId11"/>
   </p:sldLayoutIdLst>
   <p:hf hdr="0"/>
   <p:txStyles>
     <p:titleStyle>
-      <a:lvl1pPr algn="l" defTabSz="914400" rtl="0" eaLnBrk="1" latinLnBrk="0" hangingPunct="1">
+      <a:lvl1pPr algn="l" rtl="0" eaLnBrk="1" latinLnBrk="0" hangingPunct="1">
         <a:spcBef>
           <a:spcPct val="0"/>
         </a:spcBef>
         <a:buNone/>
-        <a:defRPr sz="4000" kern="1200" spc="-100" baseline="0">
+        <a:defRPr kumimoji="0" sz="5000" b="0" kern="1200">
+          <a:ln>
+            <a:noFill/>
+          </a:ln>
           <a:solidFill>
             <a:schemeClr val="tx2"/>
           </a:solidFill>
+          <a:effectLst/>
           <a:latin typeface="+mj-lt"/>
           <a:ea typeface="+mj-ea"/>
           <a:cs typeface="+mj-cs"/>
@@ -3742,17 +4211,17 @@
       </a:lvl1pPr>
     </p:titleStyle>
     <p:bodyStyle>
-      <a:lvl1pPr marL="182880" indent="-182880" algn="l" defTabSz="914400" rtl="0" eaLnBrk="1" latinLnBrk="0" hangingPunct="1">
+      <a:lvl1pPr marL="274320" indent="-274320" algn="l" rtl="0" eaLnBrk="1" latinLnBrk="0" hangingPunct="1">
         <a:spcBef>
           <a:spcPct val="20000"/>
         </a:spcBef>
         <a:buClr>
-          <a:schemeClr val="accent1"/>
+          <a:schemeClr val="accent3"/>
         </a:buClr>
-        <a:buSzPct val="85000"/>
-        <a:buFont typeface="Arial" pitchFamily="34" charset="0"/>
-        <a:buChar char="•"/>
-        <a:defRPr sz="2400" kern="1200">
+        <a:buSzPct val="95000"/>
+        <a:buFont typeface="Wingdings 2"/>
+        <a:buChar char=""/>
+        <a:defRPr kumimoji="0" sz="2600" kern="1200">
           <a:solidFill>
             <a:schemeClr val="tx1"/>
           </a:solidFill>
@@ -3761,7 +4230,7 @@
           <a:cs typeface="+mn-cs"/>
         </a:defRPr>
       </a:lvl1pPr>
-      <a:lvl2pPr marL="457200" indent="-182880" algn="l" defTabSz="914400" rtl="0" eaLnBrk="1" latinLnBrk="0" hangingPunct="1">
+      <a:lvl2pPr marL="640080" indent="-246888" algn="l" rtl="0" eaLnBrk="1" latinLnBrk="0" hangingPunct="1">
         <a:spcBef>
           <a:spcPct val="20000"/>
         </a:spcBef>
@@ -3769,9 +4238,9 @@
           <a:schemeClr val="accent1"/>
         </a:buClr>
         <a:buSzPct val="85000"/>
-        <a:buFont typeface="Arial" pitchFamily="34" charset="0"/>
-        <a:buChar char="•"/>
-        <a:defRPr sz="2000" kern="1200">
+        <a:buFont typeface="Wingdings 2"/>
+        <a:buChar char=""/>
+        <a:defRPr kumimoji="0" sz="2400" kern="1200">
           <a:solidFill>
             <a:schemeClr val="tx1"/>
           </a:solidFill>
@@ -3780,17 +4249,17 @@
           <a:cs typeface="+mn-cs"/>
         </a:defRPr>
       </a:lvl2pPr>
-      <a:lvl3pPr marL="731520" indent="-182880" algn="l" defTabSz="914400" rtl="0" eaLnBrk="1" latinLnBrk="0" hangingPunct="1">
+      <a:lvl3pPr marL="914400" indent="-246888" algn="l" rtl="0" eaLnBrk="1" latinLnBrk="0" hangingPunct="1">
         <a:spcBef>
           <a:spcPct val="20000"/>
         </a:spcBef>
         <a:buClr>
-          <a:schemeClr val="accent1"/>
+          <a:schemeClr val="accent2"/>
         </a:buClr>
-        <a:buSzPct val="90000"/>
-        <a:buFont typeface="Arial" pitchFamily="34" charset="0"/>
-        <a:buChar char="•"/>
-        <a:defRPr sz="1800" kern="1200">
+        <a:buSzPct val="70000"/>
+        <a:buFont typeface="Wingdings 2"/>
+        <a:buChar char=""/>
+        <a:defRPr kumimoji="0" sz="2100" kern="1200">
           <a:solidFill>
             <a:schemeClr val="tx1"/>
           </a:solidFill>
@@ -3799,16 +4268,17 @@
           <a:cs typeface="+mn-cs"/>
         </a:defRPr>
       </a:lvl3pPr>
-      <a:lvl4pPr marL="1005840" indent="-182880" algn="l" defTabSz="914400" rtl="0" eaLnBrk="1" latinLnBrk="0" hangingPunct="1">
+      <a:lvl4pPr marL="1188720" indent="-210312" algn="l" rtl="0" eaLnBrk="1" latinLnBrk="0" hangingPunct="1">
         <a:spcBef>
           <a:spcPct val="20000"/>
         </a:spcBef>
         <a:buClr>
-          <a:schemeClr val="accent1"/>
+          <a:schemeClr val="accent3"/>
         </a:buClr>
-        <a:buFont typeface="Arial" pitchFamily="34" charset="0"/>
-        <a:buChar char="•"/>
-        <a:defRPr sz="1600" kern="1200">
+        <a:buSzPct val="65000"/>
+        <a:buFont typeface="Wingdings 2"/>
+        <a:buChar char=""/>
+        <a:defRPr kumimoji="0" sz="2000" kern="1200">
           <a:solidFill>
             <a:schemeClr val="tx1"/>
           </a:solidFill>
@@ -3817,17 +4287,17 @@
           <a:cs typeface="+mn-cs"/>
         </a:defRPr>
       </a:lvl4pPr>
-      <a:lvl5pPr marL="1188720" indent="-137160" algn="l" defTabSz="914400" rtl="0" eaLnBrk="1" latinLnBrk="0" hangingPunct="1">
+      <a:lvl5pPr marL="1463040" indent="-210312" algn="l" rtl="0" eaLnBrk="1" latinLnBrk="0" hangingPunct="1">
         <a:spcBef>
           <a:spcPct val="20000"/>
         </a:spcBef>
         <a:buClr>
-          <a:schemeClr val="accent1"/>
+          <a:schemeClr val="accent4"/>
         </a:buClr>
-        <a:buSzPct val="100000"/>
-        <a:buFont typeface="Arial" pitchFamily="34" charset="0"/>
-        <a:buChar char="•"/>
-        <a:defRPr sz="1400" kern="1200" baseline="0">
+        <a:buSzPct val="65000"/>
+        <a:buFont typeface="Wingdings 2"/>
+        <a:buChar char=""/>
+        <a:defRPr kumimoji="0" sz="2000" kern="1200">
           <a:solidFill>
             <a:schemeClr val="tx1"/>
           </a:solidFill>
@@ -3836,16 +4306,17 @@
           <a:cs typeface="+mn-cs"/>
         </a:defRPr>
       </a:lvl5pPr>
-      <a:lvl6pPr marL="1371600" indent="-182880" algn="l" defTabSz="914400" rtl="0" eaLnBrk="1" latinLnBrk="0" hangingPunct="1">
+      <a:lvl6pPr marL="1737360" indent="-210312" algn="l" rtl="0" eaLnBrk="1" latinLnBrk="0" hangingPunct="1">
         <a:spcBef>
           <a:spcPct val="20000"/>
         </a:spcBef>
         <a:buClr>
-          <a:schemeClr val="accent1"/>
+          <a:schemeClr val="accent5"/>
         </a:buClr>
-        <a:buFont typeface="Arial" pitchFamily="34" charset="0"/>
-        <a:buChar char="•"/>
-        <a:defRPr sz="1300" kern="1200">
+        <a:buSzPct val="80000"/>
+        <a:buFont typeface="Wingdings 2"/>
+        <a:buChar char=""/>
+        <a:defRPr kumimoji="0" sz="1800" kern="1200">
           <a:solidFill>
             <a:schemeClr val="tx1"/>
           </a:solidFill>
@@ -3854,16 +4325,17 @@
           <a:cs typeface="+mn-cs"/>
         </a:defRPr>
       </a:lvl6pPr>
-      <a:lvl7pPr marL="1554480" indent="-182880" algn="l" defTabSz="914400" rtl="0" eaLnBrk="1" latinLnBrk="0" hangingPunct="1">
+      <a:lvl7pPr marL="1920240" indent="-182880" algn="l" rtl="0" eaLnBrk="1" latinLnBrk="0" hangingPunct="1">
         <a:spcBef>
           <a:spcPct val="20000"/>
         </a:spcBef>
         <a:buClr>
-          <a:schemeClr val="accent1"/>
+          <a:schemeClr val="accent6"/>
         </a:buClr>
-        <a:buFont typeface="Arial" pitchFamily="34" charset="0"/>
-        <a:buChar char="•"/>
-        <a:defRPr sz="1300" kern="1200">
+        <a:buSzPct val="80000"/>
+        <a:buFont typeface="Wingdings 2"/>
+        <a:buChar char=""/>
+        <a:defRPr kumimoji="0" sz="1600" kern="1200" baseline="0">
           <a:solidFill>
             <a:schemeClr val="tx1"/>
           </a:solidFill>
@@ -3872,16 +4344,15 @@
           <a:cs typeface="+mn-cs"/>
         </a:defRPr>
       </a:lvl7pPr>
-      <a:lvl8pPr marL="1737360" indent="-182880" algn="l" defTabSz="914400" rtl="0" eaLnBrk="1" latinLnBrk="0" hangingPunct="1">
+      <a:lvl8pPr marL="2194560" indent="-182880" algn="l" rtl="0" eaLnBrk="1" latinLnBrk="0" hangingPunct="1">
         <a:spcBef>
           <a:spcPct val="20000"/>
         </a:spcBef>
         <a:buClr>
-          <a:schemeClr val="accent1"/>
+          <a:schemeClr val="tx2"/>
         </a:buClr>
-        <a:buFont typeface="Arial" pitchFamily="34" charset="0"/>
         <a:buChar char="•"/>
-        <a:defRPr sz="1300" kern="1200">
+        <a:defRPr kumimoji="0" sz="1600" kern="1200">
           <a:solidFill>
             <a:schemeClr val="tx1"/>
           </a:solidFill>
@@ -3890,16 +4361,16 @@
           <a:cs typeface="+mn-cs"/>
         </a:defRPr>
       </a:lvl8pPr>
-      <a:lvl9pPr marL="1920240" indent="-182880" algn="l" defTabSz="914400" rtl="0" eaLnBrk="1" latinLnBrk="0" hangingPunct="1">
+      <a:lvl9pPr marL="2468880" indent="-182880" algn="l" rtl="0" eaLnBrk="1" latinLnBrk="0" hangingPunct="1">
         <a:spcBef>
           <a:spcPct val="20000"/>
         </a:spcBef>
         <a:buClr>
-          <a:schemeClr val="accent1"/>
+          <a:schemeClr val="tx2"/>
         </a:buClr>
-        <a:buFont typeface="Arial" pitchFamily="34" charset="0"/>
+        <a:buFontTx/>
         <a:buChar char="•"/>
-        <a:defRPr sz="1300" kern="1200">
+        <a:defRPr kumimoji="0" sz="1400" kern="1200" baseline="0">
           <a:solidFill>
             <a:schemeClr val="tx1"/>
           </a:solidFill>
@@ -3910,11 +4381,8 @@
       </a:lvl9pPr>
     </p:bodyStyle>
     <p:otherStyle>
-      <a:defPPr>
-        <a:defRPr lang="en-US"/>
-      </a:defPPr>
-      <a:lvl1pPr marL="0" algn="l" defTabSz="914400" rtl="0" eaLnBrk="1" latinLnBrk="0" hangingPunct="1">
-        <a:defRPr sz="1800" kern="1200">
+      <a:lvl1pPr marL="0" algn="l" rtl="0" eaLnBrk="1" latinLnBrk="0" hangingPunct="1">
+        <a:defRPr kumimoji="0" kern="1200">
           <a:solidFill>
             <a:schemeClr val="tx1"/>
           </a:solidFill>
@@ -3923,8 +4391,8 @@
           <a:cs typeface="+mn-cs"/>
         </a:defRPr>
       </a:lvl1pPr>
-      <a:lvl2pPr marL="457200" algn="l" defTabSz="914400" rtl="0" eaLnBrk="1" latinLnBrk="0" hangingPunct="1">
-        <a:defRPr sz="1800" kern="1200">
+      <a:lvl2pPr marL="457200" algn="l" rtl="0" eaLnBrk="1" latinLnBrk="0" hangingPunct="1">
+        <a:defRPr kumimoji="0" kern="1200">
           <a:solidFill>
             <a:schemeClr val="tx1"/>
           </a:solidFill>
@@ -3933,8 +4401,8 @@
           <a:cs typeface="+mn-cs"/>
         </a:defRPr>
       </a:lvl2pPr>
-      <a:lvl3pPr marL="914400" algn="l" defTabSz="914400" rtl="0" eaLnBrk="1" latinLnBrk="0" hangingPunct="1">
-        <a:defRPr sz="1800" kern="1200">
+      <a:lvl3pPr marL="914400" algn="l" rtl="0" eaLnBrk="1" latinLnBrk="0" hangingPunct="1">
+        <a:defRPr kumimoji="0" kern="1200">
           <a:solidFill>
             <a:schemeClr val="tx1"/>
           </a:solidFill>
@@ -3943,8 +4411,8 @@
           <a:cs typeface="+mn-cs"/>
         </a:defRPr>
       </a:lvl3pPr>
-      <a:lvl4pPr marL="1371600" algn="l" defTabSz="914400" rtl="0" eaLnBrk="1" latinLnBrk="0" hangingPunct="1">
-        <a:defRPr sz="1800" kern="1200">
+      <a:lvl4pPr marL="1371600" algn="l" rtl="0" eaLnBrk="1" latinLnBrk="0" hangingPunct="1">
+        <a:defRPr kumimoji="0" kern="1200">
           <a:solidFill>
             <a:schemeClr val="tx1"/>
           </a:solidFill>
@@ -3953,8 +4421,8 @@
           <a:cs typeface="+mn-cs"/>
         </a:defRPr>
       </a:lvl4pPr>
-      <a:lvl5pPr marL="1828800" algn="l" defTabSz="914400" rtl="0" eaLnBrk="1" latinLnBrk="0" hangingPunct="1">
-        <a:defRPr sz="1800" kern="1200">
+      <a:lvl5pPr marL="1828800" algn="l" rtl="0" eaLnBrk="1" latinLnBrk="0" hangingPunct="1">
+        <a:defRPr kumimoji="0" kern="1200">
           <a:solidFill>
             <a:schemeClr val="tx1"/>
           </a:solidFill>
@@ -3963,8 +4431,8 @@
           <a:cs typeface="+mn-cs"/>
         </a:defRPr>
       </a:lvl5pPr>
-      <a:lvl6pPr marL="2286000" algn="l" defTabSz="914400" rtl="0" eaLnBrk="1" latinLnBrk="0" hangingPunct="1">
-        <a:defRPr sz="1800" kern="1200">
+      <a:lvl6pPr marL="2286000" algn="l" rtl="0" eaLnBrk="1" latinLnBrk="0" hangingPunct="1">
+        <a:defRPr kumimoji="0" kern="1200">
           <a:solidFill>
             <a:schemeClr val="tx1"/>
           </a:solidFill>
@@ -3973,8 +4441,8 @@
           <a:cs typeface="+mn-cs"/>
         </a:defRPr>
       </a:lvl6pPr>
-      <a:lvl7pPr marL="2743200" algn="l" defTabSz="914400" rtl="0" eaLnBrk="1" latinLnBrk="0" hangingPunct="1">
-        <a:defRPr sz="1800" kern="1200">
+      <a:lvl7pPr marL="2743200" algn="l" rtl="0" eaLnBrk="1" latinLnBrk="0" hangingPunct="1">
+        <a:defRPr kumimoji="0" kern="1200">
           <a:solidFill>
             <a:schemeClr val="tx1"/>
           </a:solidFill>
@@ -3983,8 +4451,8 @@
           <a:cs typeface="+mn-cs"/>
         </a:defRPr>
       </a:lvl7pPr>
-      <a:lvl8pPr marL="3200400" algn="l" defTabSz="914400" rtl="0" eaLnBrk="1" latinLnBrk="0" hangingPunct="1">
-        <a:defRPr sz="1800" kern="1200">
+      <a:lvl8pPr marL="3200400" algn="l" rtl="0" eaLnBrk="1" latinLnBrk="0" hangingPunct="1">
+        <a:defRPr kumimoji="0" kern="1200">
           <a:solidFill>
             <a:schemeClr val="tx1"/>
           </a:solidFill>
@@ -3993,8 +4461,8 @@
           <a:cs typeface="+mn-cs"/>
         </a:defRPr>
       </a:lvl8pPr>
-      <a:lvl9pPr marL="3657600" algn="l" defTabSz="914400" rtl="0" eaLnBrk="1" latinLnBrk="0" hangingPunct="1">
-        <a:defRPr sz="1800" kern="1200">
+      <a:lvl9pPr marL="3657600" algn="l" rtl="0" eaLnBrk="1" latinLnBrk="0" hangingPunct="1">
+        <a:defRPr kumimoji="0" kern="1200">
           <a:solidFill>
             <a:schemeClr val="tx1"/>
           </a:solidFill>
@@ -4296,7 +4764,13 @@
           <a:bodyPr/>
           <a:lstStyle/>
           <a:p>
-            <a:endParaRPr lang="fr-CH"/>
+            <a:r>
+              <a:rPr lang="fr-CH" dirty="0" smtClean="0"/>
+              <a:t>Logiciel de billetterie</a:t>
+            </a:r>
+          </a:p>
+          <a:p>
+            <a:endParaRPr lang="fr-CH" dirty="0"/>
           </a:p>
         </p:txBody>
       </p:sp>
@@ -4437,7 +4911,49 @@
           <a:bodyPr/>
           <a:lstStyle/>
           <a:p>
-            <a:endParaRPr lang="fr-CH"/>
+            <a:r>
+              <a:rPr lang="fr-CH" dirty="0" smtClean="0"/>
+              <a:t>Réservation de billet</a:t>
+            </a:r>
+          </a:p>
+          <a:p>
+            <a:r>
+              <a:rPr lang="fr-CH" dirty="0" smtClean="0"/>
+              <a:t>Passer en mode administrateur</a:t>
+            </a:r>
+          </a:p>
+          <a:p>
+            <a:r>
+              <a:rPr lang="fr-CH" dirty="0" smtClean="0"/>
+              <a:t>Gérer des films, salles et séances</a:t>
+            </a:r>
+          </a:p>
+          <a:p>
+            <a:pPr lvl="1"/>
+            <a:r>
+              <a:rPr lang="fr-CH" dirty="0" smtClean="0"/>
+              <a:t>Ajouter</a:t>
+            </a:r>
+          </a:p>
+          <a:p>
+            <a:pPr lvl="1"/>
+            <a:r>
+              <a:rPr lang="fr-CH" dirty="0" smtClean="0"/>
+              <a:t>Modifier</a:t>
+            </a:r>
+          </a:p>
+          <a:p>
+            <a:pPr lvl="1"/>
+            <a:r>
+              <a:rPr lang="fr-CH" dirty="0" smtClean="0"/>
+              <a:t>Supprimer</a:t>
+            </a:r>
+          </a:p>
+          <a:p>
+            <a:endParaRPr lang="fr-CH" dirty="0"/>
+          </a:p>
+          <a:p>
+            <a:endParaRPr lang="fr-CH" dirty="0" smtClean="0"/>
           </a:p>
         </p:txBody>
       </p:sp>
@@ -4552,10 +5068,16 @@
         </p:nvSpPr>
         <p:spPr/>
         <p:txBody>
-          <a:bodyPr/>
-          <a:lstStyle/>
-          <a:p>
-            <a:endParaRPr lang="fr-CH"/>
+          <a:bodyPr>
+            <a:normAutofit/>
+          </a:bodyPr>
+          <a:lstStyle/>
+          <a:p>
+            <a:r>
+              <a:rPr lang="fr-CH" dirty="0" smtClean="0"/>
+              <a:t>Analyse</a:t>
+            </a:r>
+            <a:endParaRPr lang="fr-CH" dirty="0"/>
           </a:p>
         </p:txBody>
       </p:sp>
@@ -4798,56 +5320,56 @@
 </file>
 
 <file path=ppt/theme/theme1.xml><?xml version="1.0" encoding="utf-8"?>
-<a:theme xmlns:a="http://schemas.openxmlformats.org/drawingml/2006/main" name="Clarté">
+<a:theme xmlns:a="http://schemas.openxmlformats.org/drawingml/2006/main" name="Débit">
   <a:themeElements>
-    <a:clrScheme name="Clarté">
+    <a:clrScheme name="Débit">
       <a:dk1>
-        <a:srgbClr val="292934"/>
+        <a:sysClr val="windowText" lastClr="000000"/>
       </a:dk1>
       <a:lt1>
-        <a:srgbClr val="FFFFFF"/>
+        <a:sysClr val="window" lastClr="FFFFFF"/>
       </a:lt1>
       <a:dk2>
-        <a:srgbClr val="D2533C"/>
+        <a:srgbClr val="04617B"/>
       </a:dk2>
       <a:lt2>
-        <a:srgbClr val="F3F2DC"/>
+        <a:srgbClr val="DBF5F9"/>
       </a:lt2>
       <a:accent1>
-        <a:srgbClr val="93A299"/>
+        <a:srgbClr val="0F6FC6"/>
       </a:accent1>
       <a:accent2>
-        <a:srgbClr val="AD8F67"/>
+        <a:srgbClr val="009DD9"/>
       </a:accent2>
       <a:accent3>
-        <a:srgbClr val="726056"/>
+        <a:srgbClr val="0BD0D9"/>
       </a:accent3>
       <a:accent4>
-        <a:srgbClr val="4C5A6A"/>
+        <a:srgbClr val="10CF9B"/>
       </a:accent4>
       <a:accent5>
-        <a:srgbClr val="808DA0"/>
+        <a:srgbClr val="7CCA62"/>
       </a:accent5>
       <a:accent6>
-        <a:srgbClr val="79463D"/>
+        <a:srgbClr val="A5C249"/>
       </a:accent6>
       <a:hlink>
-        <a:srgbClr val="0000FF"/>
+        <a:srgbClr val="F49100"/>
       </a:hlink>
       <a:folHlink>
-        <a:srgbClr val="800080"/>
+        <a:srgbClr val="85DFD0"/>
       </a:folHlink>
     </a:clrScheme>
-    <a:fontScheme name="Office Classique 2">
+    <a:fontScheme name="Débit">
       <a:majorFont>
-        <a:latin typeface="Arial"/>
+        <a:latin typeface="Calibri"/>
         <a:ea typeface=""/>
         <a:cs typeface=""/>
         <a:font script="Jpan" typeface="ＭＳ Ｐゴシック"/>
-        <a:font script="Hang" typeface="돋움"/>
-        <a:font script="Hans" typeface="方正舒体"/>
+        <a:font script="Hang" typeface="HY중고딕"/>
+        <a:font script="Hans" typeface="隶书"/>
         <a:font script="Hant" typeface="微軟正黑體"/>
-        <a:font script="Arab" typeface="Arial"/>
+        <a:font script="Arab" typeface="Traditional Arabic"/>
         <a:font script="Hebr" typeface="Arial"/>
         <a:font script="Thai" typeface="Cordia New"/>
         <a:font script="Ethi" typeface="Nyala"/>
@@ -4872,23 +5394,22 @@
         <a:font script="Mong" typeface="Mongolian Baiti"/>
         <a:font script="Viet" typeface="Arial"/>
         <a:font script="Uigh" typeface="Microsoft Uighur"/>
-        <a:font script="Geor" typeface="Sylfaen"/>
       </a:majorFont>
       <a:minorFont>
-        <a:latin typeface="Arial"/>
+        <a:latin typeface="Constantia"/>
         <a:ea typeface=""/>
         <a:cs typeface=""/>
-        <a:font script="Jpan" typeface="ＭＳ Ｐゴシック"/>
-        <a:font script="Hang" typeface="돋움"/>
-        <a:font script="Hans" typeface="方正舒体"/>
-        <a:font script="Hant" typeface="微軟正黑體"/>
-        <a:font script="Arab" typeface="Arial"/>
-        <a:font script="Hebr" typeface="Arial"/>
-        <a:font script="Thai" typeface="Cordia New"/>
+        <a:font script="Jpan" typeface="HGP明朝E"/>
+        <a:font script="Hang" typeface="HY신명조"/>
+        <a:font script="Hans" typeface="宋体"/>
+        <a:font script="Hant" typeface="新細明體"/>
+        <a:font script="Arab" typeface="Majalla UI"/>
+        <a:font script="Hebr" typeface="David"/>
+        <a:font script="Thai" typeface="Browallia New"/>
         <a:font script="Ethi" typeface="Nyala"/>
         <a:font script="Beng" typeface="Vrinda"/>
         <a:font script="Gujr" typeface="Shruti"/>
-        <a:font script="Khmr" typeface="DaunPenh"/>
+        <a:font script="Khmr" typeface="MoolBoran"/>
         <a:font script="Knda" typeface="Tunga"/>
         <a:font script="Guru" typeface="Raavi"/>
         <a:font script="Cans" typeface="Euphemia"/>
@@ -4905,12 +5426,11 @@
         <a:font script="Laoo" typeface="DokChampa"/>
         <a:font script="Sinh" typeface="Iskoola Pota"/>
         <a:font script="Mong" typeface="Mongolian Baiti"/>
-        <a:font script="Viet" typeface="Arial"/>
+        <a:font script="Viet" typeface="Times New Roman"/>
         <a:font script="Uigh" typeface="Microsoft Uighur"/>
-        <a:font script="Geor" typeface="Sylfaen"/>
       </a:minorFont>
     </a:fontScheme>
-    <a:fmtScheme name="Clarté">
+    <a:fmtScheme name="Débit">
       <a:fillStyleLst>
         <a:solidFill>
           <a:schemeClr val="phClr"/>
@@ -4919,76 +5439,77 @@
           <a:gsLst>
             <a:gs pos="0">
               <a:schemeClr val="phClr">
-                <a:tint val="50000"/>
-                <a:shade val="86000"/>
-                <a:satMod val="140000"/>
+                <a:tint val="70000"/>
+                <a:satMod val="130000"/>
               </a:schemeClr>
             </a:gs>
-            <a:gs pos="45000">
+            <a:gs pos="43000">
               <a:schemeClr val="phClr">
-                <a:tint val="48000"/>
-                <a:satMod val="150000"/>
+                <a:tint val="44000"/>
+                <a:satMod val="165000"/>
+              </a:schemeClr>
+            </a:gs>
+            <a:gs pos="93000">
+              <a:schemeClr val="phClr">
+                <a:tint val="15000"/>
+                <a:satMod val="165000"/>
               </a:schemeClr>
             </a:gs>
             <a:gs pos="100000">
               <a:schemeClr val="phClr">
-                <a:tint val="28000"/>
-                <a:satMod val="160000"/>
+                <a:tint val="5000"/>
+                <a:satMod val="250000"/>
               </a:schemeClr>
             </a:gs>
           </a:gsLst>
           <a:path path="circle">
-            <a:fillToRect l="100000" t="100000" r="100000" b="100000"/>
+            <a:fillToRect l="50000" t="130000" r="50000" b="-30000"/>
           </a:path>
         </a:gradFill>
         <a:gradFill rotWithShape="1">
           <a:gsLst>
             <a:gs pos="0">
               <a:schemeClr val="phClr">
-                <a:shade val="70000"/>
-                <a:satMod val="150000"/>
+                <a:tint val="98000"/>
+                <a:shade val="25000"/>
+                <a:satMod val="250000"/>
               </a:schemeClr>
             </a:gs>
-            <a:gs pos="34000">
+            <a:gs pos="68000">
               <a:schemeClr val="phClr">
-                <a:shade val="70000"/>
-                <a:satMod val="140000"/>
-              </a:schemeClr>
-            </a:gs>
-            <a:gs pos="70000">
-              <a:schemeClr val="phClr">
-                <a:tint val="100000"/>
-                <a:shade val="90000"/>
-                <a:satMod val="140000"/>
+                <a:tint val="86000"/>
+                <a:satMod val="115000"/>
               </a:schemeClr>
             </a:gs>
             <a:gs pos="100000">
               <a:schemeClr val="phClr">
-                <a:tint val="100000"/>
-                <a:shade val="100000"/>
-                <a:satMod val="100000"/>
+                <a:tint val="50000"/>
+                <a:satMod val="150000"/>
               </a:schemeClr>
             </a:gs>
           </a:gsLst>
           <a:path path="circle">
-            <a:fillToRect l="100000" t="100000" r="100000" b="100000"/>
+            <a:fillToRect l="50000" t="130000" r="50000" b="-30000"/>
           </a:path>
         </a:gradFill>
       </a:fillStyleLst>
       <a:lnStyleLst>
         <a:ln w="9525" cap="flat" cmpd="sng" algn="ctr">
           <a:solidFill>
-            <a:schemeClr val="phClr"/>
+            <a:schemeClr val="phClr">
+              <a:shade val="50000"/>
+              <a:satMod val="103000"/>
+            </a:schemeClr>
           </a:solidFill>
           <a:prstDash val="solid"/>
         </a:ln>
-        <a:ln w="26425" cap="flat" cmpd="sng" algn="ctr">
+        <a:ln w="25400" cap="flat" cmpd="sng" algn="ctr">
           <a:solidFill>
             <a:schemeClr val="phClr"/>
           </a:solidFill>
           <a:prstDash val="solid"/>
         </a:ln>
-        <a:ln w="44450" cap="flat" cmpd="sng" algn="ctr">
+        <a:ln w="38100" cap="flat" cmpd="sng" algn="ctr">
           <a:solidFill>
             <a:schemeClr val="phClr"/>
           </a:solidFill>
@@ -4997,41 +5518,47 @@
       </a:lnStyleLst>
       <a:effectStyleLst>
         <a:effectStyle>
-          <a:effectLst/>
-        </a:effectStyle>
-        <a:effectStyle>
           <a:effectLst>
-            <a:outerShdw blurRad="38100" dist="25400" dir="2700000" algn="br" rotWithShape="0">
-              <a:srgbClr val="000000">
-                <a:alpha val="60000"/>
-              </a:srgbClr>
+            <a:outerShdw blurRad="57150" dist="38100" dir="5400000" algn="ctr" rotWithShape="0">
+              <a:schemeClr val="phClr">
+                <a:shade val="9000"/>
+                <a:alpha val="48000"/>
+                <a:satMod val="105000"/>
+              </a:schemeClr>
             </a:outerShdw>
           </a:effectLst>
         </a:effectStyle>
         <a:effectStyle>
           <a:effectLst>
-            <a:outerShdw blurRad="38100" dist="25400" dir="2700000" algn="br" rotWithShape="0">
-              <a:srgbClr val="000000">
-                <a:alpha val="60000"/>
-              </a:srgbClr>
+            <a:outerShdw blurRad="57150" dist="38100" dir="5400000" algn="ctr" rotWithShape="0">
+              <a:schemeClr val="phClr">
+                <a:shade val="9000"/>
+                <a:alpha val="48000"/>
+                <a:satMod val="105000"/>
+              </a:schemeClr>
+            </a:outerShdw>
+          </a:effectLst>
+        </a:effectStyle>
+        <a:effectStyle>
+          <a:effectLst>
+            <a:outerShdw blurRad="57150" dist="38100" dir="5400000" algn="ctr" rotWithShape="0">
+              <a:schemeClr val="phClr">
+                <a:shade val="9000"/>
+                <a:alpha val="48000"/>
+                <a:satMod val="105000"/>
+              </a:schemeClr>
             </a:outerShdw>
           </a:effectLst>
           <a:scene3d>
             <a:camera prst="orthographicFront">
               <a:rot lat="0" lon="0" rev="0"/>
             </a:camera>
-            <a:lightRig rig="balanced" dir="t">
-              <a:rot lat="0" lon="0" rev="5100000"/>
+            <a:lightRig rig="glow" dir="tl">
+              <a:rot lat="0" lon="0" rev="900000"/>
             </a:lightRig>
           </a:scene3d>
-          <a:sp3d contourW="6350">
-            <a:bevelT w="29210" h="12700"/>
-            <a:contourClr>
-              <a:schemeClr val="phClr">
-                <a:shade val="30000"/>
-                <a:satMod val="130000"/>
-              </a:schemeClr>
-            </a:contourClr>
+          <a:sp3d prstMaterial="powder">
+            <a:bevelT w="25400" h="38100"/>
           </a:sp3d>
         </a:effectStyle>
       </a:effectStyleLst>
@@ -5043,39 +5570,41 @@
           <a:gsLst>
             <a:gs pos="0">
               <a:schemeClr val="phClr">
-                <a:tint val="85000"/>
-                <a:satMod val="180000"/>
+                <a:tint val="80000"/>
+                <a:satMod val="400000"/>
               </a:schemeClr>
             </a:gs>
-            <a:gs pos="40000">
+            <a:gs pos="25000">
               <a:schemeClr val="phClr">
-                <a:tint val="95000"/>
-                <a:shade val="85000"/>
-                <a:satMod val="150000"/>
+                <a:tint val="83000"/>
+                <a:satMod val="320000"/>
               </a:schemeClr>
             </a:gs>
             <a:gs pos="100000">
               <a:schemeClr val="phClr">
-                <a:shade val="45000"/>
-                <a:satMod val="200000"/>
+                <a:shade val="15000"/>
+                <a:satMod val="320000"/>
               </a:schemeClr>
             </a:gs>
           </a:gsLst>
-          <a:lin ang="5400000" scaled="0"/>
+          <a:path path="circle">
+            <a:fillToRect l="10000" t="110000" r="10000" b="100000"/>
+          </a:path>
         </a:gradFill>
-        <a:blipFill rotWithShape="1">
+        <a:blipFill>
           <a:blip xmlns:r="http://schemas.openxmlformats.org/officeDocument/2006/relationships" r:embed="rId1">
             <a:duotone>
               <a:schemeClr val="phClr">
-                <a:shade val="55000"/>
+                <a:shade val="90000"/>
+                <a:satMod val="150000"/>
               </a:schemeClr>
               <a:schemeClr val="phClr">
-                <a:tint val="97000"/>
-                <a:satMod val="95000"/>
+                <a:tint val="88000"/>
+                <a:satMod val="150000"/>
               </a:schemeClr>
             </a:duotone>
           </a:blip>
-          <a:tile tx="0" ty="0" sx="70000" sy="70000" flip="none" algn="tl"/>
+          <a:tile tx="0" ty="0" sx="65000" sy="65000" flip="none" algn="tl"/>
         </a:blipFill>
       </a:bgFillStyleLst>
     </a:fmtScheme>

--- a/OneWay_Tickets.pptx
+++ b/OneWay_Tickets.pptx
@@ -4509,12 +4509,16 @@
           <a:lstStyle/>
           <a:p>
             <a:r>
-              <a:rPr lang="fr-CH" dirty="0" err="1" smtClean="0"/>
-              <a:t>Oneway</a:t>
-            </a:r>
-            <a:r>
-              <a:rPr lang="fr-CH" dirty="0" smtClean="0"/>
-              <a:t> tickets</a:t>
+              <a:rPr lang="fr-CH" smtClean="0"/>
+              <a:t>OneWay </a:t>
+            </a:r>
+            <a:r>
+              <a:rPr lang="fr-CH" dirty="0"/>
+              <a:t>T</a:t>
+            </a:r>
+            <a:r>
+              <a:rPr lang="fr-CH" smtClean="0"/>
+              <a:t>ickets</a:t>
             </a:r>
             <a:endParaRPr lang="fr-CH" dirty="0"/>
           </a:p>
@@ -4770,6 +4774,9 @@
             </a:r>
           </a:p>
           <a:p>
+            <a:endParaRPr lang="fr-CH" dirty="0" smtClean="0"/>
+          </a:p>
+          <a:p>
             <a:endParaRPr lang="fr-CH" dirty="0"/>
           </a:p>
         </p:txBody>
@@ -5096,7 +5103,7 @@
           <a:bodyPr/>
           <a:lstStyle/>
           <a:p>
-            <a:endParaRPr lang="fr-CH"/>
+            <a:endParaRPr lang="fr-CH" dirty="0"/>
           </a:p>
         </p:txBody>
       </p:sp>

--- a/OneWay_Tickets.pptx
+++ b/OneWay_Tickets.pptx
@@ -5,10 +5,10 @@
     <p:sldMasterId id="2147483732" r:id="rId1"/>
   </p:sldMasterIdLst>
   <p:notesMasterIdLst>
-    <p:notesMasterId r:id="rId8"/>
+    <p:notesMasterId r:id="rId11"/>
   </p:notesMasterIdLst>
   <p:handoutMasterIdLst>
-    <p:handoutMasterId r:id="rId9"/>
+    <p:handoutMasterId r:id="rId12"/>
   </p:handoutMasterIdLst>
   <p:sldIdLst>
     <p:sldId id="256" r:id="rId2"/>
@@ -17,6 +17,9 @@
     <p:sldId id="259" r:id="rId5"/>
     <p:sldId id="260" r:id="rId6"/>
     <p:sldId id="261" r:id="rId7"/>
+    <p:sldId id="262" r:id="rId8"/>
+    <p:sldId id="263" r:id="rId9"/>
+    <p:sldId id="264" r:id="rId10"/>
   </p:sldIdLst>
   <p:sldSz cx="9144000" cy="6858000" type="screen4x3"/>
   <p:notesSz cx="6858000" cy="9144000"/>
@@ -4509,7 +4512,7 @@
           <a:lstStyle/>
           <a:p>
             <a:r>
-              <a:rPr lang="fr-CH" smtClean="0"/>
+              <a:rPr lang="fr-CH" dirty="0" smtClean="0"/>
               <a:t>OneWay </a:t>
             </a:r>
             <a:r>
@@ -4517,7 +4520,7 @@
               <a:t>T</a:t>
             </a:r>
             <a:r>
-              <a:rPr lang="fr-CH" smtClean="0"/>
+              <a:rPr lang="fr-CH" dirty="0" smtClean="0"/>
               <a:t>ickets</a:t>
             </a:r>
             <a:endParaRPr lang="fr-CH" dirty="0"/>
@@ -4627,6 +4630,39 @@
             </a:r>
           </a:p>
           <a:p>
+            <a:r>
+              <a:rPr lang="fr-CH" dirty="0" smtClean="0"/>
+              <a:t>Analyse</a:t>
+            </a:r>
+          </a:p>
+          <a:p>
+            <a:r>
+              <a:rPr lang="fr-CH" dirty="0" smtClean="0"/>
+              <a:t>Réalisation</a:t>
+            </a:r>
+          </a:p>
+          <a:p>
+            <a:r>
+              <a:rPr lang="fr-CH" dirty="0" smtClean="0"/>
+              <a:t>Démonstration</a:t>
+            </a:r>
+          </a:p>
+          <a:p>
+            <a:r>
+              <a:rPr lang="fr-CH" dirty="0" smtClean="0"/>
+              <a:t>Conclusion</a:t>
+            </a:r>
+          </a:p>
+          <a:p>
+            <a:r>
+              <a:rPr lang="fr-CH" dirty="0" smtClean="0"/>
+              <a:t>Questions</a:t>
+            </a:r>
+          </a:p>
+          <a:p>
+            <a:endParaRPr lang="fr-CH" dirty="0" smtClean="0"/>
+          </a:p>
+          <a:p>
             <a:endParaRPr lang="fr-CH" dirty="0"/>
           </a:p>
         </p:txBody>
@@ -4920,8 +4956,13 @@
           <a:p>
             <a:r>
               <a:rPr lang="fr-CH" dirty="0" smtClean="0"/>
-              <a:t>Réservation de billet</a:t>
-            </a:r>
+              <a:t>Réservation </a:t>
+            </a:r>
+            <a:r>
+              <a:rPr lang="fr-CH" smtClean="0"/>
+              <a:t>de billets</a:t>
+            </a:r>
+            <a:endParaRPr lang="fr-CH" dirty="0" smtClean="0"/>
           </a:p>
           <a:p>
             <a:r>
@@ -5221,7 +5262,11 @@
           <a:bodyPr/>
           <a:lstStyle/>
           <a:p>
-            <a:endParaRPr lang="fr-CH"/>
+            <a:r>
+              <a:rPr lang="fr-CH" dirty="0" smtClean="0"/>
+              <a:t>Réalisation</a:t>
+            </a:r>
+            <a:endParaRPr lang="fr-CH" dirty="0"/>
           </a:p>
         </p:txBody>
       </p:sp>
@@ -5317,6 +5362,449 @@
     <p:extLst>
       <p:ext uri="{BB962C8B-B14F-4D97-AF65-F5344CB8AC3E}">
         <p14:creationId xmlns:p14="http://schemas.microsoft.com/office/powerpoint/2010/main" val="2549215292"/>
+      </p:ext>
+    </p:extLst>
+  </p:cSld>
+  <p:clrMapOvr>
+    <a:masterClrMapping/>
+  </p:clrMapOvr>
+</p:sld>
+</file>
+
+<file path=ppt/slides/slide7.xml><?xml version="1.0" encoding="utf-8"?>
+<p:sld xmlns:a="http://schemas.openxmlformats.org/drawingml/2006/main" xmlns:r="http://schemas.openxmlformats.org/officeDocument/2006/relationships" xmlns:p="http://schemas.openxmlformats.org/presentationml/2006/main">
+  <p:cSld>
+    <p:spTree>
+      <p:nvGrpSpPr>
+        <p:cNvPr id="1" name=""/>
+        <p:cNvGrpSpPr/>
+        <p:nvPr/>
+      </p:nvGrpSpPr>
+      <p:grpSpPr>
+        <a:xfrm>
+          <a:off x="0" y="0"/>
+          <a:ext cx="0" cy="0"/>
+          <a:chOff x="0" y="0"/>
+          <a:chExt cx="0" cy="0"/>
+        </a:xfrm>
+      </p:grpSpPr>
+      <p:sp>
+        <p:nvSpPr>
+          <p:cNvPr id="2" name="Titre 1"/>
+          <p:cNvSpPr>
+            <a:spLocks noGrp="1"/>
+          </p:cNvSpPr>
+          <p:nvPr>
+            <p:ph type="title"/>
+          </p:nvPr>
+        </p:nvSpPr>
+        <p:spPr/>
+        <p:txBody>
+          <a:bodyPr/>
+          <a:lstStyle/>
+          <a:p>
+            <a:r>
+              <a:rPr lang="fr-CH" dirty="0" smtClean="0"/>
+              <a:t>Démonstration</a:t>
+            </a:r>
+            <a:endParaRPr lang="fr-CH" dirty="0"/>
+          </a:p>
+        </p:txBody>
+      </p:sp>
+      <p:pic>
+        <p:nvPicPr>
+          <p:cNvPr id="7" name="Espace réservé du contenu 6"/>
+          <p:cNvPicPr>
+            <a:picLocks noGrp="1" noChangeAspect="1"/>
+          </p:cNvPicPr>
+          <p:nvPr>
+            <p:ph idx="1"/>
+          </p:nvPr>
+        </p:nvPicPr>
+        <p:blipFill>
+          <a:blip r:embed="rId2">
+            <a:extLst>
+              <a:ext uri="{28A0092B-C50C-407E-A947-70E740481C1C}">
+                <a14:useLocalDpi xmlns:a14="http://schemas.microsoft.com/office/drawing/2010/main" val="0"/>
+              </a:ext>
+            </a:extLst>
+          </a:blip>
+          <a:stretch>
+            <a:fillRect/>
+          </a:stretch>
+        </p:blipFill>
+        <p:spPr>
+          <a:xfrm>
+            <a:off x="2948608" y="2420888"/>
+            <a:ext cx="2991544" cy="3036418"/>
+          </a:xfrm>
+        </p:spPr>
+      </p:pic>
+      <p:sp>
+        <p:nvSpPr>
+          <p:cNvPr id="4" name="Espace réservé de la date 3"/>
+          <p:cNvSpPr>
+            <a:spLocks noGrp="1"/>
+          </p:cNvSpPr>
+          <p:nvPr>
+            <p:ph type="dt" sz="half" idx="10"/>
+          </p:nvPr>
+        </p:nvSpPr>
+        <p:spPr/>
+        <p:txBody>
+          <a:bodyPr/>
+          <a:lstStyle/>
+          <a:p>
+            <a:fld id="{305D23F4-B26B-4A87-AD40-5403F70572CC}" type="datetime1">
+              <a:rPr lang="fr-CH" smtClean="0"/>
+              <a:t>27.05.2015</a:t>
+            </a:fld>
+            <a:endParaRPr lang="fr-CH"/>
+          </a:p>
+        </p:txBody>
+      </p:sp>
+      <p:sp>
+        <p:nvSpPr>
+          <p:cNvPr id="5" name="Espace réservé du pied de page 4"/>
+          <p:cNvSpPr>
+            <a:spLocks noGrp="1"/>
+          </p:cNvSpPr>
+          <p:nvPr>
+            <p:ph type="ftr" sz="quarter" idx="11"/>
+          </p:nvPr>
+        </p:nvSpPr>
+        <p:spPr/>
+        <p:txBody>
+          <a:bodyPr/>
+          <a:lstStyle/>
+          <a:p>
+            <a:r>
+              <a:rPr lang="en-US" smtClean="0"/>
+              <a:t>Devaud Alan - OneWay Tickets - TPI 2015</a:t>
+            </a:r>
+            <a:endParaRPr lang="fr-CH"/>
+          </a:p>
+        </p:txBody>
+      </p:sp>
+      <p:sp>
+        <p:nvSpPr>
+          <p:cNvPr id="6" name="Espace réservé du numéro de diapositive 5"/>
+          <p:cNvSpPr>
+            <a:spLocks noGrp="1"/>
+          </p:cNvSpPr>
+          <p:nvPr>
+            <p:ph type="sldNum" sz="quarter" idx="12"/>
+          </p:nvPr>
+        </p:nvSpPr>
+        <p:spPr/>
+        <p:txBody>
+          <a:bodyPr/>
+          <a:lstStyle/>
+          <a:p>
+            <a:fld id="{9B457A66-229B-4E85-8F25-C95F219204B5}" type="slidenum">
+              <a:rPr lang="fr-CH" smtClean="0"/>
+              <a:t>7</a:t>
+            </a:fld>
+            <a:endParaRPr lang="fr-CH"/>
+          </a:p>
+        </p:txBody>
+      </p:sp>
+    </p:spTree>
+    <p:extLst>
+      <p:ext uri="{BB962C8B-B14F-4D97-AF65-F5344CB8AC3E}">
+        <p14:creationId xmlns:p14="http://schemas.microsoft.com/office/powerpoint/2010/main" val="3508321667"/>
+      </p:ext>
+    </p:extLst>
+  </p:cSld>
+  <p:clrMapOvr>
+    <a:masterClrMapping/>
+  </p:clrMapOvr>
+</p:sld>
+</file>
+
+<file path=ppt/slides/slide8.xml><?xml version="1.0" encoding="utf-8"?>
+<p:sld xmlns:a="http://schemas.openxmlformats.org/drawingml/2006/main" xmlns:r="http://schemas.openxmlformats.org/officeDocument/2006/relationships" xmlns:p="http://schemas.openxmlformats.org/presentationml/2006/main">
+  <p:cSld>
+    <p:spTree>
+      <p:nvGrpSpPr>
+        <p:cNvPr id="1" name=""/>
+        <p:cNvGrpSpPr/>
+        <p:nvPr/>
+      </p:nvGrpSpPr>
+      <p:grpSpPr>
+        <a:xfrm>
+          <a:off x="0" y="0"/>
+          <a:ext cx="0" cy="0"/>
+          <a:chOff x="0" y="0"/>
+          <a:chExt cx="0" cy="0"/>
+        </a:xfrm>
+      </p:grpSpPr>
+      <p:sp>
+        <p:nvSpPr>
+          <p:cNvPr id="2" name="Titre 1"/>
+          <p:cNvSpPr>
+            <a:spLocks noGrp="1"/>
+          </p:cNvSpPr>
+          <p:nvPr>
+            <p:ph type="title"/>
+          </p:nvPr>
+        </p:nvSpPr>
+        <p:spPr/>
+        <p:txBody>
+          <a:bodyPr/>
+          <a:lstStyle/>
+          <a:p>
+            <a:r>
+              <a:rPr lang="fr-CH" dirty="0" smtClean="0"/>
+              <a:t>Conclusion</a:t>
+            </a:r>
+            <a:endParaRPr lang="fr-CH" dirty="0"/>
+          </a:p>
+        </p:txBody>
+      </p:sp>
+      <p:sp>
+        <p:nvSpPr>
+          <p:cNvPr id="3" name="Espace réservé du contenu 2"/>
+          <p:cNvSpPr>
+            <a:spLocks noGrp="1"/>
+          </p:cNvSpPr>
+          <p:nvPr>
+            <p:ph idx="1"/>
+          </p:nvPr>
+        </p:nvSpPr>
+        <p:spPr/>
+        <p:txBody>
+          <a:bodyPr/>
+          <a:lstStyle/>
+          <a:p>
+            <a:endParaRPr lang="fr-CH"/>
+          </a:p>
+        </p:txBody>
+      </p:sp>
+      <p:sp>
+        <p:nvSpPr>
+          <p:cNvPr id="4" name="Espace réservé de la date 3"/>
+          <p:cNvSpPr>
+            <a:spLocks noGrp="1"/>
+          </p:cNvSpPr>
+          <p:nvPr>
+            <p:ph type="dt" sz="half" idx="10"/>
+          </p:nvPr>
+        </p:nvSpPr>
+        <p:spPr/>
+        <p:txBody>
+          <a:bodyPr/>
+          <a:lstStyle/>
+          <a:p>
+            <a:fld id="{305D23F4-B26B-4A87-AD40-5403F70572CC}" type="datetime1">
+              <a:rPr lang="fr-CH" smtClean="0"/>
+              <a:t>27.05.2015</a:t>
+            </a:fld>
+            <a:endParaRPr lang="fr-CH"/>
+          </a:p>
+        </p:txBody>
+      </p:sp>
+      <p:sp>
+        <p:nvSpPr>
+          <p:cNvPr id="5" name="Espace réservé du pied de page 4"/>
+          <p:cNvSpPr>
+            <a:spLocks noGrp="1"/>
+          </p:cNvSpPr>
+          <p:nvPr>
+            <p:ph type="ftr" sz="quarter" idx="11"/>
+          </p:nvPr>
+        </p:nvSpPr>
+        <p:spPr/>
+        <p:txBody>
+          <a:bodyPr/>
+          <a:lstStyle/>
+          <a:p>
+            <a:r>
+              <a:rPr lang="en-US" smtClean="0"/>
+              <a:t>Devaud Alan - OneWay Tickets - TPI 2015</a:t>
+            </a:r>
+            <a:endParaRPr lang="fr-CH"/>
+          </a:p>
+        </p:txBody>
+      </p:sp>
+      <p:sp>
+        <p:nvSpPr>
+          <p:cNvPr id="6" name="Espace réservé du numéro de diapositive 5"/>
+          <p:cNvSpPr>
+            <a:spLocks noGrp="1"/>
+          </p:cNvSpPr>
+          <p:nvPr>
+            <p:ph type="sldNum" sz="quarter" idx="12"/>
+          </p:nvPr>
+        </p:nvSpPr>
+        <p:spPr/>
+        <p:txBody>
+          <a:bodyPr/>
+          <a:lstStyle/>
+          <a:p>
+            <a:fld id="{9B457A66-229B-4E85-8F25-C95F219204B5}" type="slidenum">
+              <a:rPr lang="fr-CH" smtClean="0"/>
+              <a:t>8</a:t>
+            </a:fld>
+            <a:endParaRPr lang="fr-CH"/>
+          </a:p>
+        </p:txBody>
+      </p:sp>
+    </p:spTree>
+    <p:extLst>
+      <p:ext uri="{BB962C8B-B14F-4D97-AF65-F5344CB8AC3E}">
+        <p14:creationId xmlns:p14="http://schemas.microsoft.com/office/powerpoint/2010/main" val="2606917797"/>
+      </p:ext>
+    </p:extLst>
+  </p:cSld>
+  <p:clrMapOvr>
+    <a:masterClrMapping/>
+  </p:clrMapOvr>
+</p:sld>
+</file>
+
+<file path=ppt/slides/slide9.xml><?xml version="1.0" encoding="utf-8"?>
+<p:sld xmlns:a="http://schemas.openxmlformats.org/drawingml/2006/main" xmlns:r="http://schemas.openxmlformats.org/officeDocument/2006/relationships" xmlns:p="http://schemas.openxmlformats.org/presentationml/2006/main">
+  <p:cSld>
+    <p:spTree>
+      <p:nvGrpSpPr>
+        <p:cNvPr id="1" name=""/>
+        <p:cNvGrpSpPr/>
+        <p:nvPr/>
+      </p:nvGrpSpPr>
+      <p:grpSpPr>
+        <a:xfrm>
+          <a:off x="0" y="0"/>
+          <a:ext cx="0" cy="0"/>
+          <a:chOff x="0" y="0"/>
+          <a:chExt cx="0" cy="0"/>
+        </a:xfrm>
+      </p:grpSpPr>
+      <p:sp>
+        <p:nvSpPr>
+          <p:cNvPr id="2" name="Titre 1"/>
+          <p:cNvSpPr>
+            <a:spLocks noGrp="1"/>
+          </p:cNvSpPr>
+          <p:nvPr>
+            <p:ph type="title"/>
+          </p:nvPr>
+        </p:nvSpPr>
+        <p:spPr/>
+        <p:txBody>
+          <a:bodyPr/>
+          <a:lstStyle/>
+          <a:p>
+            <a:r>
+              <a:rPr lang="fr-CH" dirty="0" smtClean="0"/>
+              <a:t>Questions ?</a:t>
+            </a:r>
+            <a:endParaRPr lang="fr-CH" dirty="0"/>
+          </a:p>
+        </p:txBody>
+      </p:sp>
+      <p:pic>
+        <p:nvPicPr>
+          <p:cNvPr id="7" name="Espace réservé du contenu 6"/>
+          <p:cNvPicPr>
+            <a:picLocks noGrp="1" noChangeAspect="1"/>
+          </p:cNvPicPr>
+          <p:nvPr>
+            <p:ph idx="1"/>
+          </p:nvPr>
+        </p:nvPicPr>
+        <p:blipFill>
+          <a:blip r:embed="rId2" cstate="print">
+            <a:extLst>
+              <a:ext uri="{28A0092B-C50C-407E-A947-70E740481C1C}">
+                <a14:useLocalDpi xmlns:a14="http://schemas.microsoft.com/office/drawing/2010/main" val="0"/>
+              </a:ext>
+            </a:extLst>
+          </a:blip>
+          <a:stretch>
+            <a:fillRect/>
+          </a:stretch>
+        </p:blipFill>
+        <p:spPr>
+          <a:xfrm>
+            <a:off x="1115616" y="1844824"/>
+            <a:ext cx="6815682" cy="4546004"/>
+          </a:xfrm>
+        </p:spPr>
+      </p:pic>
+      <p:sp>
+        <p:nvSpPr>
+          <p:cNvPr id="4" name="Espace réservé de la date 3"/>
+          <p:cNvSpPr>
+            <a:spLocks noGrp="1"/>
+          </p:cNvSpPr>
+          <p:nvPr>
+            <p:ph type="dt" sz="half" idx="10"/>
+          </p:nvPr>
+        </p:nvSpPr>
+        <p:spPr/>
+        <p:txBody>
+          <a:bodyPr/>
+          <a:lstStyle/>
+          <a:p>
+            <a:fld id="{305D23F4-B26B-4A87-AD40-5403F70572CC}" type="datetime1">
+              <a:rPr lang="fr-CH" smtClean="0"/>
+              <a:t>27.05.2015</a:t>
+            </a:fld>
+            <a:endParaRPr lang="fr-CH"/>
+          </a:p>
+        </p:txBody>
+      </p:sp>
+      <p:sp>
+        <p:nvSpPr>
+          <p:cNvPr id="5" name="Espace réservé du pied de page 4"/>
+          <p:cNvSpPr>
+            <a:spLocks noGrp="1"/>
+          </p:cNvSpPr>
+          <p:nvPr>
+            <p:ph type="ftr" sz="quarter" idx="11"/>
+          </p:nvPr>
+        </p:nvSpPr>
+        <p:spPr/>
+        <p:txBody>
+          <a:bodyPr/>
+          <a:lstStyle/>
+          <a:p>
+            <a:r>
+              <a:rPr lang="en-US" smtClean="0"/>
+              <a:t>Devaud Alan - OneWay Tickets - TPI 2015</a:t>
+            </a:r>
+            <a:endParaRPr lang="fr-CH"/>
+          </a:p>
+        </p:txBody>
+      </p:sp>
+      <p:sp>
+        <p:nvSpPr>
+          <p:cNvPr id="6" name="Espace réservé du numéro de diapositive 5"/>
+          <p:cNvSpPr>
+            <a:spLocks noGrp="1"/>
+          </p:cNvSpPr>
+          <p:nvPr>
+            <p:ph type="sldNum" sz="quarter" idx="12"/>
+          </p:nvPr>
+        </p:nvSpPr>
+        <p:spPr/>
+        <p:txBody>
+          <a:bodyPr/>
+          <a:lstStyle/>
+          <a:p>
+            <a:fld id="{9B457A66-229B-4E85-8F25-C95F219204B5}" type="slidenum">
+              <a:rPr lang="fr-CH" smtClean="0"/>
+              <a:t>9</a:t>
+            </a:fld>
+            <a:endParaRPr lang="fr-CH"/>
+          </a:p>
+        </p:txBody>
+      </p:sp>
+    </p:spTree>
+    <p:extLst>
+      <p:ext uri="{BB962C8B-B14F-4D97-AF65-F5344CB8AC3E}">
+        <p14:creationId xmlns:p14="http://schemas.microsoft.com/office/powerpoint/2010/main" val="158994838"/>
       </p:ext>
     </p:extLst>
   </p:cSld>
